--- a/asset/preso.pptx
+++ b/asset/preso.pptx
@@ -4,9 +4,13 @@
   <p:sldMasterIdLst>
     <p:sldMasterId id="2147483684" r:id="rId1"/>
   </p:sldMasterIdLst>
+  <p:notesMasterIdLst>
+    <p:notesMasterId r:id="rId5"/>
+  </p:notesMasterIdLst>
   <p:sldIdLst>
     <p:sldId id="256" r:id="rId2"/>
     <p:sldId id="257" r:id="rId3"/>
+    <p:sldId id="258" r:id="rId4"/>
   </p:sldIdLst>
   <p:sldSz cx="12192000" cy="6858000"/>
   <p:notesSz cx="6858000" cy="9144000"/>
@@ -107,10 +111,1740 @@
   </p:defaultTextStyle>
   <p:extLst>
     <p:ext uri="{EFAFB233-063F-42B5-8137-9DF3F51BA10A}">
-      <p15:sldGuideLst xmlns:p15="http://schemas.microsoft.com/office/powerpoint/2012/main"/>
+      <p15:sldGuideLst xmlns:p15="http://schemas.microsoft.com/office/powerpoint/2012/main">
+        <p15:guide id="1" orient="horz" pos="2160">
+          <p15:clr>
+            <a:srgbClr val="A4A3A4"/>
+          </p15:clr>
+        </p15:guide>
+        <p15:guide id="2" pos="3840">
+          <p15:clr>
+            <a:srgbClr val="A4A3A4"/>
+          </p15:clr>
+        </p15:guide>
+      </p15:sldGuideLst>
     </p:ext>
   </p:extLst>
 </p:presentation>
+</file>
+
+<file path=ppt/notesMasters/notesMaster1.xml><?xml version="1.0" encoding="utf-8"?>
+<p:notesMaster xmlns:a="http://schemas.openxmlformats.org/drawingml/2006/main" xmlns:r="http://schemas.openxmlformats.org/officeDocument/2006/relationships" xmlns:p="http://schemas.openxmlformats.org/presentationml/2006/main">
+  <p:cSld>
+    <p:bg>
+      <p:bgRef idx="1001">
+        <a:schemeClr val="bg1"/>
+      </p:bgRef>
+    </p:bg>
+    <p:spTree>
+      <p:nvGrpSpPr>
+        <p:cNvPr id="1" name=""/>
+        <p:cNvGrpSpPr/>
+        <p:nvPr/>
+      </p:nvGrpSpPr>
+      <p:grpSpPr>
+        <a:xfrm>
+          <a:off x="0" y="0"/>
+          <a:ext cx="0" cy="0"/>
+          <a:chOff x="0" y="0"/>
+          <a:chExt cx="0" cy="0"/>
+        </a:xfrm>
+      </p:grpSpPr>
+      <p:sp>
+        <p:nvSpPr>
+          <p:cNvPr id="2" name="页眉占位符 1"/>
+          <p:cNvSpPr>
+            <a:spLocks noGrp="1"/>
+          </p:cNvSpPr>
+          <p:nvPr>
+            <p:ph type="hdr" sz="quarter"/>
+          </p:nvPr>
+        </p:nvSpPr>
+        <p:spPr>
+          <a:xfrm>
+            <a:off x="0" y="0"/>
+            <a:ext cx="2971800" cy="457200"/>
+          </a:xfrm>
+          <a:prstGeom prst="rect">
+            <a:avLst/>
+          </a:prstGeom>
+        </p:spPr>
+        <p:txBody>
+          <a:bodyPr vert="horz" lIns="91440" tIns="45720" rIns="91440" bIns="45720" rtlCol="0"/>
+          <a:lstStyle>
+            <a:lvl1pPr algn="l">
+              <a:defRPr sz="1200"/>
+            </a:lvl1pPr>
+          </a:lstStyle>
+          <a:p>
+            <a:endParaRPr kumimoji="1" lang="zh-CN" altLang="en-US"/>
+          </a:p>
+        </p:txBody>
+      </p:sp>
+      <p:sp>
+        <p:nvSpPr>
+          <p:cNvPr id="3" name="日期占位符 2"/>
+          <p:cNvSpPr>
+            <a:spLocks noGrp="1"/>
+          </p:cNvSpPr>
+          <p:nvPr>
+            <p:ph type="dt" idx="1"/>
+          </p:nvPr>
+        </p:nvSpPr>
+        <p:spPr>
+          <a:xfrm>
+            <a:off x="3884613" y="0"/>
+            <a:ext cx="2971800" cy="457200"/>
+          </a:xfrm>
+          <a:prstGeom prst="rect">
+            <a:avLst/>
+          </a:prstGeom>
+        </p:spPr>
+        <p:txBody>
+          <a:bodyPr vert="horz" lIns="91440" tIns="45720" rIns="91440" bIns="45720" rtlCol="0"/>
+          <a:lstStyle>
+            <a:lvl1pPr algn="r">
+              <a:defRPr sz="1200"/>
+            </a:lvl1pPr>
+          </a:lstStyle>
+          <a:p>
+            <a:fld id="{73A11F6E-41C6-6746-B369-5587EE151C48}" type="datetimeFigureOut">
+              <a:rPr kumimoji="1" lang="zh-CN" altLang="en-US" smtClean="0"/>
+              <a:t>16/3/6</a:t>
+            </a:fld>
+            <a:endParaRPr kumimoji="1" lang="zh-CN" altLang="en-US"/>
+          </a:p>
+        </p:txBody>
+      </p:sp>
+      <p:sp>
+        <p:nvSpPr>
+          <p:cNvPr id="4" name="幻灯片图像占位符 3"/>
+          <p:cNvSpPr>
+            <a:spLocks noGrp="1" noRot="1" noChangeAspect="1"/>
+          </p:cNvSpPr>
+          <p:nvPr>
+            <p:ph type="sldImg" idx="2"/>
+          </p:nvPr>
+        </p:nvSpPr>
+        <p:spPr>
+          <a:xfrm>
+            <a:off x="381000" y="685800"/>
+            <a:ext cx="6096000" cy="3429000"/>
+          </a:xfrm>
+          <a:prstGeom prst="rect">
+            <a:avLst/>
+          </a:prstGeom>
+          <a:noFill/>
+          <a:ln w="12700">
+            <a:solidFill>
+              <a:prstClr val="black"/>
+            </a:solidFill>
+          </a:ln>
+        </p:spPr>
+        <p:txBody>
+          <a:bodyPr vert="horz" lIns="91440" tIns="45720" rIns="91440" bIns="45720" rtlCol="0" anchor="ctr"/>
+          <a:lstStyle/>
+          <a:p>
+            <a:endParaRPr lang="zh-CN" altLang="en-US"/>
+          </a:p>
+        </p:txBody>
+      </p:sp>
+      <p:sp>
+        <p:nvSpPr>
+          <p:cNvPr id="5" name="备注占位符 4"/>
+          <p:cNvSpPr>
+            <a:spLocks noGrp="1"/>
+          </p:cNvSpPr>
+          <p:nvPr>
+            <p:ph type="body" sz="quarter" idx="3"/>
+          </p:nvPr>
+        </p:nvSpPr>
+        <p:spPr>
+          <a:xfrm>
+            <a:off x="685800" y="4343400"/>
+            <a:ext cx="5486400" cy="4114800"/>
+          </a:xfrm>
+          <a:prstGeom prst="rect">
+            <a:avLst/>
+          </a:prstGeom>
+        </p:spPr>
+        <p:txBody>
+          <a:bodyPr vert="horz" lIns="91440" tIns="45720" rIns="91440" bIns="45720" rtlCol="0"/>
+          <a:lstStyle/>
+          <a:p>
+            <a:pPr lvl="0"/>
+            <a:r>
+              <a:rPr kumimoji="1" lang="zh-CN" altLang="en-US" smtClean="0"/>
+              <a:t>单击此处编辑母版文本样式</a:t>
+            </a:r>
+          </a:p>
+          <a:p>
+            <a:pPr lvl="1"/>
+            <a:r>
+              <a:rPr kumimoji="1" lang="zh-CN" altLang="en-US" smtClean="0"/>
+              <a:t>二级</a:t>
+            </a:r>
+          </a:p>
+          <a:p>
+            <a:pPr lvl="2"/>
+            <a:r>
+              <a:rPr kumimoji="1" lang="zh-CN" altLang="en-US" smtClean="0"/>
+              <a:t>三级</a:t>
+            </a:r>
+          </a:p>
+          <a:p>
+            <a:pPr lvl="3"/>
+            <a:r>
+              <a:rPr kumimoji="1" lang="zh-CN" altLang="en-US" smtClean="0"/>
+              <a:t>四级</a:t>
+            </a:r>
+          </a:p>
+          <a:p>
+            <a:pPr lvl="4"/>
+            <a:r>
+              <a:rPr kumimoji="1" lang="zh-CN" altLang="en-US" smtClean="0"/>
+              <a:t>五级</a:t>
+            </a:r>
+            <a:endParaRPr kumimoji="1" lang="zh-CN" altLang="en-US"/>
+          </a:p>
+        </p:txBody>
+      </p:sp>
+      <p:sp>
+        <p:nvSpPr>
+          <p:cNvPr id="6" name="页脚占位符 5"/>
+          <p:cNvSpPr>
+            <a:spLocks noGrp="1"/>
+          </p:cNvSpPr>
+          <p:nvPr>
+            <p:ph type="ftr" sz="quarter" idx="4"/>
+          </p:nvPr>
+        </p:nvSpPr>
+        <p:spPr>
+          <a:xfrm>
+            <a:off x="0" y="8685213"/>
+            <a:ext cx="2971800" cy="457200"/>
+          </a:xfrm>
+          <a:prstGeom prst="rect">
+            <a:avLst/>
+          </a:prstGeom>
+        </p:spPr>
+        <p:txBody>
+          <a:bodyPr vert="horz" lIns="91440" tIns="45720" rIns="91440" bIns="45720" rtlCol="0" anchor="b"/>
+          <a:lstStyle>
+            <a:lvl1pPr algn="l">
+              <a:defRPr sz="1200"/>
+            </a:lvl1pPr>
+          </a:lstStyle>
+          <a:p>
+            <a:endParaRPr kumimoji="1" lang="zh-CN" altLang="en-US"/>
+          </a:p>
+        </p:txBody>
+      </p:sp>
+      <p:sp>
+        <p:nvSpPr>
+          <p:cNvPr id="7" name="幻灯片编号占位符 6"/>
+          <p:cNvSpPr>
+            <a:spLocks noGrp="1"/>
+          </p:cNvSpPr>
+          <p:nvPr>
+            <p:ph type="sldNum" sz="quarter" idx="5"/>
+          </p:nvPr>
+        </p:nvSpPr>
+        <p:spPr>
+          <a:xfrm>
+            <a:off x="3884613" y="8685213"/>
+            <a:ext cx="2971800" cy="457200"/>
+          </a:xfrm>
+          <a:prstGeom prst="rect">
+            <a:avLst/>
+          </a:prstGeom>
+        </p:spPr>
+        <p:txBody>
+          <a:bodyPr vert="horz" lIns="91440" tIns="45720" rIns="91440" bIns="45720" rtlCol="0" anchor="b"/>
+          <a:lstStyle>
+            <a:lvl1pPr algn="r">
+              <a:defRPr sz="1200"/>
+            </a:lvl1pPr>
+          </a:lstStyle>
+          <a:p>
+            <a:fld id="{35B4D3EB-25F4-A940-9B46-8CC09FE67ACA}" type="slidenum">
+              <a:rPr kumimoji="1" lang="zh-CN" altLang="en-US" smtClean="0"/>
+              <a:t>‹#›</a:t>
+            </a:fld>
+            <a:endParaRPr kumimoji="1" lang="zh-CN" altLang="en-US"/>
+          </a:p>
+        </p:txBody>
+      </p:sp>
+    </p:spTree>
+    <p:extLst>
+      <p:ext uri="{BB962C8B-B14F-4D97-AF65-F5344CB8AC3E}">
+        <p14:creationId xmlns:p14="http://schemas.microsoft.com/office/powerpoint/2010/main" val="2428224518"/>
+      </p:ext>
+    </p:extLst>
+  </p:cSld>
+  <p:clrMap bg1="lt1" tx1="dk1" bg2="lt2" tx2="dk2" accent1="accent1" accent2="accent2" accent3="accent3" accent4="accent4" accent5="accent5" accent6="accent6" hlink="hlink" folHlink="folHlink"/>
+  <p:notesStyle>
+    <a:lvl1pPr marL="0" algn="l" defTabSz="457200" rtl="0" eaLnBrk="1" latinLnBrk="0" hangingPunct="1">
+      <a:defRPr sz="1200" kern="1200">
+        <a:solidFill>
+          <a:schemeClr val="tx1"/>
+        </a:solidFill>
+        <a:latin typeface="+mn-lt"/>
+        <a:ea typeface="+mn-ea"/>
+        <a:cs typeface="+mn-cs"/>
+      </a:defRPr>
+    </a:lvl1pPr>
+    <a:lvl2pPr marL="457200" algn="l" defTabSz="457200" rtl="0" eaLnBrk="1" latinLnBrk="0" hangingPunct="1">
+      <a:defRPr sz="1200" kern="1200">
+        <a:solidFill>
+          <a:schemeClr val="tx1"/>
+        </a:solidFill>
+        <a:latin typeface="+mn-lt"/>
+        <a:ea typeface="+mn-ea"/>
+        <a:cs typeface="+mn-cs"/>
+      </a:defRPr>
+    </a:lvl2pPr>
+    <a:lvl3pPr marL="914400" algn="l" defTabSz="457200" rtl="0" eaLnBrk="1" latinLnBrk="0" hangingPunct="1">
+      <a:defRPr sz="1200" kern="1200">
+        <a:solidFill>
+          <a:schemeClr val="tx1"/>
+        </a:solidFill>
+        <a:latin typeface="+mn-lt"/>
+        <a:ea typeface="+mn-ea"/>
+        <a:cs typeface="+mn-cs"/>
+      </a:defRPr>
+    </a:lvl3pPr>
+    <a:lvl4pPr marL="1371600" algn="l" defTabSz="457200" rtl="0" eaLnBrk="1" latinLnBrk="0" hangingPunct="1">
+      <a:defRPr sz="1200" kern="1200">
+        <a:solidFill>
+          <a:schemeClr val="tx1"/>
+        </a:solidFill>
+        <a:latin typeface="+mn-lt"/>
+        <a:ea typeface="+mn-ea"/>
+        <a:cs typeface="+mn-cs"/>
+      </a:defRPr>
+    </a:lvl4pPr>
+    <a:lvl5pPr marL="1828800" algn="l" defTabSz="457200" rtl="0" eaLnBrk="1" latinLnBrk="0" hangingPunct="1">
+      <a:defRPr sz="1200" kern="1200">
+        <a:solidFill>
+          <a:schemeClr val="tx1"/>
+        </a:solidFill>
+        <a:latin typeface="+mn-lt"/>
+        <a:ea typeface="+mn-ea"/>
+        <a:cs typeface="+mn-cs"/>
+      </a:defRPr>
+    </a:lvl5pPr>
+    <a:lvl6pPr marL="2286000" algn="l" defTabSz="457200" rtl="0" eaLnBrk="1" latinLnBrk="0" hangingPunct="1">
+      <a:defRPr sz="1200" kern="1200">
+        <a:solidFill>
+          <a:schemeClr val="tx1"/>
+        </a:solidFill>
+        <a:latin typeface="+mn-lt"/>
+        <a:ea typeface="+mn-ea"/>
+        <a:cs typeface="+mn-cs"/>
+      </a:defRPr>
+    </a:lvl6pPr>
+    <a:lvl7pPr marL="2743200" algn="l" defTabSz="457200" rtl="0" eaLnBrk="1" latinLnBrk="0" hangingPunct="1">
+      <a:defRPr sz="1200" kern="1200">
+        <a:solidFill>
+          <a:schemeClr val="tx1"/>
+        </a:solidFill>
+        <a:latin typeface="+mn-lt"/>
+        <a:ea typeface="+mn-ea"/>
+        <a:cs typeface="+mn-cs"/>
+      </a:defRPr>
+    </a:lvl7pPr>
+    <a:lvl8pPr marL="3200400" algn="l" defTabSz="457200" rtl="0" eaLnBrk="1" latinLnBrk="0" hangingPunct="1">
+      <a:defRPr sz="1200" kern="1200">
+        <a:solidFill>
+          <a:schemeClr val="tx1"/>
+        </a:solidFill>
+        <a:latin typeface="+mn-lt"/>
+        <a:ea typeface="+mn-ea"/>
+        <a:cs typeface="+mn-cs"/>
+      </a:defRPr>
+    </a:lvl8pPr>
+    <a:lvl9pPr marL="3657600" algn="l" defTabSz="457200" rtl="0" eaLnBrk="1" latinLnBrk="0" hangingPunct="1">
+      <a:defRPr sz="1200" kern="1200">
+        <a:solidFill>
+          <a:schemeClr val="tx1"/>
+        </a:solidFill>
+        <a:latin typeface="+mn-lt"/>
+        <a:ea typeface="+mn-ea"/>
+        <a:cs typeface="+mn-cs"/>
+      </a:defRPr>
+    </a:lvl9pPr>
+  </p:notesStyle>
+</p:notesMaster>
+</file>
+
+<file path=ppt/notesSlides/notesSlide1.xml><?xml version="1.0" encoding="utf-8"?>
+<p:notes xmlns:a="http://schemas.openxmlformats.org/drawingml/2006/main" xmlns:r="http://schemas.openxmlformats.org/officeDocument/2006/relationships" xmlns:p="http://schemas.openxmlformats.org/presentationml/2006/main">
+  <p:cSld>
+    <p:spTree>
+      <p:nvGrpSpPr>
+        <p:cNvPr id="1" name=""/>
+        <p:cNvGrpSpPr/>
+        <p:nvPr/>
+      </p:nvGrpSpPr>
+      <p:grpSpPr>
+        <a:xfrm>
+          <a:off x="0" y="0"/>
+          <a:ext cx="0" cy="0"/>
+          <a:chOff x="0" y="0"/>
+          <a:chExt cx="0" cy="0"/>
+        </a:xfrm>
+      </p:grpSpPr>
+      <p:sp>
+        <p:nvSpPr>
+          <p:cNvPr id="2" name="幻灯片图像占位符 1"/>
+          <p:cNvSpPr>
+            <a:spLocks noGrp="1" noRot="1" noChangeAspect="1"/>
+          </p:cNvSpPr>
+          <p:nvPr>
+            <p:ph type="sldImg"/>
+          </p:nvPr>
+        </p:nvSpPr>
+        <p:spPr/>
+      </p:sp>
+      <p:sp>
+        <p:nvSpPr>
+          <p:cNvPr id="3" name="备注占位符 2"/>
+          <p:cNvSpPr>
+            <a:spLocks noGrp="1"/>
+          </p:cNvSpPr>
+          <p:nvPr>
+            <p:ph type="body" idx="1"/>
+          </p:nvPr>
+        </p:nvSpPr>
+        <p:spPr/>
+        <p:txBody>
+          <a:bodyPr/>
+          <a:lstStyle/>
+          <a:p>
+            <a:endParaRPr kumimoji="1" lang="zh-CN" altLang="en-US" dirty="0"/>
+          </a:p>
+        </p:txBody>
+      </p:sp>
+      <p:sp>
+        <p:nvSpPr>
+          <p:cNvPr id="4" name="幻灯片编号占位符 3"/>
+          <p:cNvSpPr>
+            <a:spLocks noGrp="1"/>
+          </p:cNvSpPr>
+          <p:nvPr>
+            <p:ph type="sldNum" sz="quarter" idx="10"/>
+          </p:nvPr>
+        </p:nvSpPr>
+        <p:spPr/>
+        <p:txBody>
+          <a:bodyPr/>
+          <a:lstStyle/>
+          <a:p>
+            <a:fld id="{35B4D3EB-25F4-A940-9B46-8CC09FE67ACA}" type="slidenum">
+              <a:rPr kumimoji="1" lang="zh-CN" altLang="en-US" smtClean="0"/>
+              <a:t>1</a:t>
+            </a:fld>
+            <a:endParaRPr kumimoji="1" lang="zh-CN" altLang="en-US"/>
+          </a:p>
+        </p:txBody>
+      </p:sp>
+    </p:spTree>
+    <p:extLst>
+      <p:ext uri="{BB962C8B-B14F-4D97-AF65-F5344CB8AC3E}">
+        <p14:creationId xmlns:p14="http://schemas.microsoft.com/office/powerpoint/2010/main" val="1802115413"/>
+      </p:ext>
+    </p:extLst>
+  </p:cSld>
+  <p:clrMapOvr>
+    <a:masterClrMapping/>
+  </p:clrMapOvr>
+</p:notes>
+</file>
+
+<file path=ppt/notesSlides/notesSlide2.xml><?xml version="1.0" encoding="utf-8"?>
+<p:notes xmlns:a="http://schemas.openxmlformats.org/drawingml/2006/main" xmlns:r="http://schemas.openxmlformats.org/officeDocument/2006/relationships" xmlns:p="http://schemas.openxmlformats.org/presentationml/2006/main">
+  <p:cSld>
+    <p:spTree>
+      <p:nvGrpSpPr>
+        <p:cNvPr id="1" name=""/>
+        <p:cNvGrpSpPr/>
+        <p:nvPr/>
+      </p:nvGrpSpPr>
+      <p:grpSpPr>
+        <a:xfrm>
+          <a:off x="0" y="0"/>
+          <a:ext cx="0" cy="0"/>
+          <a:chOff x="0" y="0"/>
+          <a:chExt cx="0" cy="0"/>
+        </a:xfrm>
+      </p:grpSpPr>
+      <p:sp>
+        <p:nvSpPr>
+          <p:cNvPr id="2" name="幻灯片图像占位符 1"/>
+          <p:cNvSpPr>
+            <a:spLocks noGrp="1" noRot="1" noChangeAspect="1"/>
+          </p:cNvSpPr>
+          <p:nvPr>
+            <p:ph type="sldImg"/>
+          </p:nvPr>
+        </p:nvSpPr>
+        <p:spPr/>
+      </p:sp>
+      <p:sp>
+        <p:nvSpPr>
+          <p:cNvPr id="3" name="备注占位符 2"/>
+          <p:cNvSpPr>
+            <a:spLocks noGrp="1"/>
+          </p:cNvSpPr>
+          <p:nvPr>
+            <p:ph type="body" idx="1"/>
+          </p:nvPr>
+        </p:nvSpPr>
+        <p:spPr/>
+        <p:txBody>
+          <a:bodyPr/>
+          <a:lstStyle/>
+          <a:p>
+            <a:pPr marL="0" marR="0" indent="0" algn="l" defTabSz="457200" rtl="0" eaLnBrk="1" fontAlgn="auto" latinLnBrk="0" hangingPunct="1">
+              <a:lnSpc>
+                <a:spcPct val="100000"/>
+              </a:lnSpc>
+              <a:spcBef>
+                <a:spcPts val="0"/>
+              </a:spcBef>
+              <a:spcAft>
+                <a:spcPts val="0"/>
+              </a:spcAft>
+              <a:buClrTx/>
+              <a:buSzTx/>
+              <a:buFontTx/>
+              <a:buNone/>
+              <a:tabLst/>
+              <a:defRPr/>
+            </a:pPr>
+            <a:r>
+              <a:rPr lang="en-US" altLang="zh-CN" sz="1200" kern="1200" dirty="0" smtClean="0">
+                <a:solidFill>
+                  <a:schemeClr val="tx1"/>
+                </a:solidFill>
+                <a:effectLst/>
+                <a:latin typeface="+mn-lt"/>
+                <a:ea typeface="+mn-ea"/>
+                <a:cs typeface="+mn-cs"/>
+              </a:rPr>
+              <a:t>As mentioned in the data description, k-means cluster method is used to find similar tracts</a:t>
+            </a:r>
+            <a:r>
+              <a:rPr lang="zh-CN" altLang="en-US" sz="1200" kern="1200" dirty="0" smtClean="0">
+                <a:solidFill>
+                  <a:schemeClr val="tx1"/>
+                </a:solidFill>
+                <a:effectLst/>
+                <a:latin typeface="+mn-lt"/>
+                <a:ea typeface="+mn-ea"/>
+                <a:cs typeface="+mn-cs"/>
+              </a:rPr>
+              <a:t> </a:t>
+            </a:r>
+            <a:r>
+              <a:rPr lang="en-US" altLang="zh-CN" sz="1200" kern="1200" dirty="0" smtClean="0">
+                <a:solidFill>
+                  <a:schemeClr val="tx1"/>
+                </a:solidFill>
+                <a:effectLst/>
+                <a:latin typeface="+mn-lt"/>
+                <a:ea typeface="+mn-ea"/>
+                <a:cs typeface="+mn-cs"/>
+              </a:rPr>
+              <a:t>and</a:t>
+            </a:r>
+            <a:r>
+              <a:rPr lang="zh-CN" altLang="en-US" sz="1200" kern="1200" dirty="0" smtClean="0">
+                <a:solidFill>
+                  <a:schemeClr val="tx1"/>
+                </a:solidFill>
+                <a:effectLst/>
+                <a:latin typeface="+mn-lt"/>
+                <a:ea typeface="+mn-ea"/>
+                <a:cs typeface="+mn-cs"/>
+              </a:rPr>
+              <a:t> </a:t>
+            </a:r>
+            <a:r>
+              <a:rPr lang="en-US" altLang="zh-CN" sz="1200" kern="1200" dirty="0" smtClean="0">
+                <a:solidFill>
+                  <a:schemeClr val="tx1"/>
+                </a:solidFill>
+                <a:effectLst/>
+                <a:latin typeface="+mn-lt"/>
+                <a:ea typeface="+mn-ea"/>
+                <a:cs typeface="+mn-cs"/>
+              </a:rPr>
+              <a:t>help</a:t>
+            </a:r>
+            <a:r>
+              <a:rPr lang="zh-CN" altLang="en-US" sz="1200" kern="1200" dirty="0" smtClean="0">
+                <a:solidFill>
+                  <a:schemeClr val="tx1"/>
+                </a:solidFill>
+                <a:effectLst/>
+                <a:latin typeface="+mn-lt"/>
+                <a:ea typeface="+mn-ea"/>
+                <a:cs typeface="+mn-cs"/>
+              </a:rPr>
+              <a:t> </a:t>
+            </a:r>
+            <a:r>
+              <a:rPr lang="en-US" altLang="zh-CN" sz="1200" kern="1200" dirty="0" smtClean="0">
+                <a:solidFill>
+                  <a:schemeClr val="tx1"/>
+                </a:solidFill>
+                <a:effectLst/>
+                <a:latin typeface="+mn-lt"/>
+                <a:ea typeface="+mn-ea"/>
+                <a:cs typeface="+mn-cs"/>
+              </a:rPr>
+              <a:t>us</a:t>
+            </a:r>
+            <a:r>
+              <a:rPr lang="zh-CN" altLang="en-US" sz="1200" kern="1200" dirty="0" smtClean="0">
+                <a:solidFill>
+                  <a:schemeClr val="tx1"/>
+                </a:solidFill>
+                <a:effectLst/>
+                <a:latin typeface="+mn-lt"/>
+                <a:ea typeface="+mn-ea"/>
+                <a:cs typeface="+mn-cs"/>
+              </a:rPr>
+              <a:t> </a:t>
+            </a:r>
+            <a:r>
+              <a:rPr lang="en-US" altLang="zh-CN" sz="1200" kern="1200" dirty="0" smtClean="0">
+                <a:solidFill>
+                  <a:schemeClr val="tx1"/>
+                </a:solidFill>
+                <a:effectLst/>
+                <a:latin typeface="+mn-lt"/>
+                <a:ea typeface="+mn-ea"/>
+                <a:cs typeface="+mn-cs"/>
+              </a:rPr>
+              <a:t>find</a:t>
+            </a:r>
+            <a:r>
+              <a:rPr lang="zh-CN" altLang="en-US" sz="1200" kern="1200" dirty="0" smtClean="0">
+                <a:solidFill>
+                  <a:schemeClr val="tx1"/>
+                </a:solidFill>
+                <a:effectLst/>
+                <a:latin typeface="+mn-lt"/>
+                <a:ea typeface="+mn-ea"/>
+                <a:cs typeface="+mn-cs"/>
+              </a:rPr>
+              <a:t> </a:t>
+            </a:r>
+            <a:r>
+              <a:rPr lang="en-US" altLang="zh-CN" sz="1200" kern="1200" dirty="0" smtClean="0">
+                <a:solidFill>
+                  <a:schemeClr val="tx1"/>
+                </a:solidFill>
+                <a:effectLst/>
+                <a:latin typeface="+mn-lt"/>
+                <a:ea typeface="+mn-ea"/>
+                <a:cs typeface="+mn-cs"/>
+              </a:rPr>
+              <a:t>unique</a:t>
+            </a:r>
+            <a:r>
+              <a:rPr lang="zh-CN" altLang="en-US" sz="1200" kern="1200" dirty="0" smtClean="0">
+                <a:solidFill>
+                  <a:schemeClr val="tx1"/>
+                </a:solidFill>
+                <a:effectLst/>
+                <a:latin typeface="+mn-lt"/>
+                <a:ea typeface="+mn-ea"/>
+                <a:cs typeface="+mn-cs"/>
+              </a:rPr>
+              <a:t> </a:t>
+            </a:r>
+            <a:r>
+              <a:rPr lang="en-US" altLang="zh-CN" sz="1200" kern="1200" dirty="0" smtClean="0">
+                <a:solidFill>
+                  <a:schemeClr val="tx1"/>
+                </a:solidFill>
+                <a:effectLst/>
+                <a:latin typeface="+mn-lt"/>
+                <a:ea typeface="+mn-ea"/>
+                <a:cs typeface="+mn-cs"/>
+              </a:rPr>
+              <a:t>communities. Using divided clusters index indicating each tracts’ categories.</a:t>
+            </a:r>
+            <a:r>
+              <a:rPr lang="zh-CN" altLang="en-US" sz="1200" kern="1200" dirty="0" smtClean="0">
+                <a:solidFill>
+                  <a:schemeClr val="tx1"/>
+                </a:solidFill>
+                <a:effectLst/>
+                <a:latin typeface="+mn-lt"/>
+                <a:ea typeface="+mn-ea"/>
+                <a:cs typeface="+mn-cs"/>
+              </a:rPr>
+              <a:t> </a:t>
+            </a:r>
+            <a:r>
+              <a:rPr lang="en-US" altLang="zh-CN" sz="1200" kern="1200" dirty="0" smtClean="0">
+                <a:solidFill>
+                  <a:schemeClr val="tx1"/>
+                </a:solidFill>
+                <a:effectLst/>
+                <a:latin typeface="+mn-lt"/>
+                <a:ea typeface="+mn-ea"/>
+                <a:cs typeface="+mn-cs"/>
+              </a:rPr>
+              <a:t>Combining tracts’ geographic information together with cluster indexes, the visualization can present a more intuitive view of the clusters among the Cook County area.  </a:t>
+            </a:r>
+          </a:p>
+          <a:p>
+            <a:pPr marL="0" marR="0" indent="0" algn="l" defTabSz="457200" rtl="0" eaLnBrk="1" fontAlgn="auto" latinLnBrk="0" hangingPunct="1">
+              <a:lnSpc>
+                <a:spcPct val="100000"/>
+              </a:lnSpc>
+              <a:spcBef>
+                <a:spcPts val="0"/>
+              </a:spcBef>
+              <a:spcAft>
+                <a:spcPts val="0"/>
+              </a:spcAft>
+              <a:buClrTx/>
+              <a:buSzTx/>
+              <a:buFontTx/>
+              <a:buNone/>
+              <a:tabLst/>
+              <a:defRPr/>
+            </a:pPr>
+            <a:endParaRPr lang="en-US" altLang="zh-CN" sz="1200" kern="1200" dirty="0" smtClean="0">
+              <a:solidFill>
+                <a:schemeClr val="tx1"/>
+              </a:solidFill>
+              <a:effectLst/>
+              <a:latin typeface="+mn-lt"/>
+              <a:ea typeface="+mn-ea"/>
+              <a:cs typeface="+mn-cs"/>
+            </a:endParaRPr>
+          </a:p>
+          <a:p>
+            <a:pPr marL="0" marR="0" indent="0" algn="l" defTabSz="457200" rtl="0" eaLnBrk="1" fontAlgn="auto" latinLnBrk="0" hangingPunct="1">
+              <a:lnSpc>
+                <a:spcPct val="100000"/>
+              </a:lnSpc>
+              <a:spcBef>
+                <a:spcPts val="0"/>
+              </a:spcBef>
+              <a:spcAft>
+                <a:spcPts val="0"/>
+              </a:spcAft>
+              <a:buClrTx/>
+              <a:buSzTx/>
+              <a:buFontTx/>
+              <a:buNone/>
+              <a:tabLst/>
+              <a:defRPr/>
+            </a:pPr>
+            <a:r>
+              <a:rPr lang="en-US" altLang="zh-CN" sz="1200" kern="1200" dirty="0" smtClean="0">
+                <a:solidFill>
+                  <a:schemeClr val="tx1"/>
+                </a:solidFill>
+                <a:effectLst/>
+                <a:latin typeface="+mn-lt"/>
+                <a:ea typeface="+mn-ea"/>
+                <a:cs typeface="+mn-cs"/>
+              </a:rPr>
+              <a:t>The boxplot is simply a general view of the distribution for each variable</a:t>
+            </a:r>
+            <a:r>
+              <a:rPr lang="zh-CN" altLang="en-US" sz="1200" kern="1200" dirty="0" smtClean="0">
+                <a:solidFill>
+                  <a:schemeClr val="tx1"/>
+                </a:solidFill>
+                <a:effectLst/>
+                <a:latin typeface="+mn-lt"/>
+                <a:ea typeface="+mn-ea"/>
+                <a:cs typeface="+mn-cs"/>
+              </a:rPr>
+              <a:t> </a:t>
+            </a:r>
+            <a:r>
+              <a:rPr lang="en-US" altLang="zh-CN" sz="1200" kern="1200" dirty="0" smtClean="0">
+                <a:solidFill>
+                  <a:schemeClr val="tx1"/>
+                </a:solidFill>
+                <a:effectLst/>
+                <a:latin typeface="+mn-lt"/>
+                <a:ea typeface="+mn-ea"/>
+                <a:cs typeface="+mn-cs"/>
+              </a:rPr>
+              <a:t>and</a:t>
+            </a:r>
+            <a:r>
+              <a:rPr lang="zh-CN" altLang="en-US" sz="1200" kern="1200" dirty="0" smtClean="0">
+                <a:solidFill>
+                  <a:schemeClr val="tx1"/>
+                </a:solidFill>
+                <a:effectLst/>
+                <a:latin typeface="+mn-lt"/>
+                <a:ea typeface="+mn-ea"/>
+                <a:cs typeface="+mn-cs"/>
+              </a:rPr>
+              <a:t> </a:t>
+            </a:r>
+            <a:r>
+              <a:rPr lang="en-US" altLang="zh-CN" sz="1200" kern="1200" dirty="0" smtClean="0">
+                <a:solidFill>
+                  <a:schemeClr val="tx1"/>
+                </a:solidFill>
+                <a:effectLst/>
+                <a:latin typeface="+mn-lt"/>
+                <a:ea typeface="+mn-ea"/>
+                <a:cs typeface="+mn-cs"/>
+              </a:rPr>
+              <a:t>discover</a:t>
+            </a:r>
+            <a:r>
+              <a:rPr lang="zh-CN" altLang="en-US" sz="1200" kern="1200" dirty="0" smtClean="0">
+                <a:solidFill>
+                  <a:schemeClr val="tx1"/>
+                </a:solidFill>
+                <a:effectLst/>
+                <a:latin typeface="+mn-lt"/>
+                <a:ea typeface="+mn-ea"/>
+                <a:cs typeface="+mn-cs"/>
+              </a:rPr>
+              <a:t> </a:t>
+            </a:r>
+            <a:r>
+              <a:rPr lang="en-US" altLang="zh-CN" sz="1200" kern="1200" dirty="0" smtClean="0">
+                <a:solidFill>
+                  <a:schemeClr val="tx1"/>
+                </a:solidFill>
+                <a:effectLst/>
+                <a:latin typeface="+mn-lt"/>
+                <a:ea typeface="+mn-ea"/>
+                <a:cs typeface="+mn-cs"/>
+              </a:rPr>
+              <a:t>whether</a:t>
+            </a:r>
+            <a:r>
+              <a:rPr lang="zh-CN" altLang="en-US" sz="1200" kern="1200" dirty="0" smtClean="0">
+                <a:solidFill>
+                  <a:schemeClr val="tx1"/>
+                </a:solidFill>
+                <a:effectLst/>
+                <a:latin typeface="+mn-lt"/>
+                <a:ea typeface="+mn-ea"/>
+                <a:cs typeface="+mn-cs"/>
+              </a:rPr>
+              <a:t> </a:t>
+            </a:r>
+            <a:r>
+              <a:rPr lang="en-US" altLang="zh-CN" sz="1200" kern="1200" dirty="0" smtClean="0">
+                <a:solidFill>
+                  <a:schemeClr val="tx1"/>
+                </a:solidFill>
+                <a:effectLst/>
+                <a:latin typeface="+mn-lt"/>
+                <a:ea typeface="+mn-ea"/>
+                <a:cs typeface="+mn-cs"/>
+              </a:rPr>
+              <a:t>there</a:t>
+            </a:r>
+            <a:r>
+              <a:rPr lang="zh-CN" altLang="en-US" sz="1200" kern="1200" dirty="0" smtClean="0">
+                <a:solidFill>
+                  <a:schemeClr val="tx1"/>
+                </a:solidFill>
+                <a:effectLst/>
+                <a:latin typeface="+mn-lt"/>
+                <a:ea typeface="+mn-ea"/>
+                <a:cs typeface="+mn-cs"/>
+              </a:rPr>
+              <a:t> </a:t>
+            </a:r>
+            <a:r>
+              <a:rPr lang="en-US" altLang="zh-CN" sz="1200" kern="1200" dirty="0" smtClean="0">
+                <a:solidFill>
+                  <a:schemeClr val="tx1"/>
+                </a:solidFill>
+                <a:effectLst/>
+                <a:latin typeface="+mn-lt"/>
+                <a:ea typeface="+mn-ea"/>
+                <a:cs typeface="+mn-cs"/>
+              </a:rPr>
+              <a:t>is</a:t>
+            </a:r>
+            <a:r>
+              <a:rPr lang="zh-CN" altLang="en-US" sz="1200" kern="1200" dirty="0" smtClean="0">
+                <a:solidFill>
+                  <a:schemeClr val="tx1"/>
+                </a:solidFill>
+                <a:effectLst/>
+                <a:latin typeface="+mn-lt"/>
+                <a:ea typeface="+mn-ea"/>
+                <a:cs typeface="+mn-cs"/>
+              </a:rPr>
+              <a:t> </a:t>
+            </a:r>
+            <a:r>
+              <a:rPr lang="en-US" altLang="zh-CN" sz="1200" kern="1200" dirty="0" smtClean="0">
+                <a:solidFill>
+                  <a:schemeClr val="tx1"/>
+                </a:solidFill>
+                <a:effectLst/>
+                <a:latin typeface="+mn-lt"/>
+                <a:ea typeface="+mn-ea"/>
+                <a:cs typeface="+mn-cs"/>
+              </a:rPr>
+              <a:t>uniqueness. </a:t>
+            </a:r>
+          </a:p>
+          <a:p>
+            <a:pPr marL="0" marR="0" indent="0" algn="l" defTabSz="457200" rtl="0" eaLnBrk="1" fontAlgn="auto" latinLnBrk="0" hangingPunct="1">
+              <a:lnSpc>
+                <a:spcPct val="100000"/>
+              </a:lnSpc>
+              <a:spcBef>
+                <a:spcPts val="0"/>
+              </a:spcBef>
+              <a:spcAft>
+                <a:spcPts val="0"/>
+              </a:spcAft>
+              <a:buClrTx/>
+              <a:buSzTx/>
+              <a:buFontTx/>
+              <a:buNone/>
+              <a:tabLst/>
+              <a:defRPr/>
+            </a:pPr>
+            <a:endParaRPr lang="en-US" altLang="zh-CN" sz="1200" kern="1200" dirty="0" smtClean="0">
+              <a:solidFill>
+                <a:schemeClr val="tx1"/>
+              </a:solidFill>
+              <a:effectLst/>
+              <a:latin typeface="+mn-lt"/>
+              <a:ea typeface="+mn-ea"/>
+              <a:cs typeface="+mn-cs"/>
+            </a:endParaRPr>
+          </a:p>
+          <a:p>
+            <a:pPr marL="0" marR="0" indent="0" algn="l" defTabSz="457200" rtl="0" eaLnBrk="1" fontAlgn="auto" latinLnBrk="0" hangingPunct="1">
+              <a:lnSpc>
+                <a:spcPct val="100000"/>
+              </a:lnSpc>
+              <a:spcBef>
+                <a:spcPts val="0"/>
+              </a:spcBef>
+              <a:spcAft>
+                <a:spcPts val="0"/>
+              </a:spcAft>
+              <a:buClrTx/>
+              <a:buSzTx/>
+              <a:buFontTx/>
+              <a:buNone/>
+              <a:tabLst/>
+              <a:defRPr/>
+            </a:pPr>
+            <a:r>
+              <a:rPr lang="en-US" altLang="zh-CN" sz="1200" kern="1200" dirty="0" smtClean="0">
+                <a:solidFill>
+                  <a:schemeClr val="tx1"/>
+                </a:solidFill>
+                <a:effectLst/>
+                <a:latin typeface="+mn-lt"/>
+                <a:ea typeface="+mn-ea"/>
+                <a:cs typeface="+mn-cs"/>
+              </a:rPr>
+              <a:t>For each variable, the heat map is offered in the Shiny application enabling the user to select a specific range of the value to observe selected</a:t>
+            </a:r>
+            <a:r>
+              <a:rPr lang="zh-CN" altLang="en-US" sz="1200" kern="1200" dirty="0" smtClean="0">
+                <a:solidFill>
+                  <a:schemeClr val="tx1"/>
+                </a:solidFill>
+                <a:effectLst/>
+                <a:latin typeface="+mn-lt"/>
+                <a:ea typeface="+mn-ea"/>
+                <a:cs typeface="+mn-cs"/>
+              </a:rPr>
+              <a:t> </a:t>
+            </a:r>
+            <a:r>
+              <a:rPr lang="en-US" altLang="zh-CN" sz="1200" kern="1200" dirty="0" smtClean="0">
+                <a:solidFill>
+                  <a:schemeClr val="tx1"/>
+                </a:solidFill>
+                <a:effectLst/>
+                <a:latin typeface="+mn-lt"/>
+                <a:ea typeface="+mn-ea"/>
+                <a:cs typeface="+mn-cs"/>
+              </a:rPr>
+              <a:t>variable. </a:t>
+            </a:r>
+          </a:p>
+          <a:p>
+            <a:pPr marL="0" marR="0" indent="0" algn="l" defTabSz="457200" rtl="0" eaLnBrk="1" fontAlgn="auto" latinLnBrk="0" hangingPunct="1">
+              <a:lnSpc>
+                <a:spcPct val="100000"/>
+              </a:lnSpc>
+              <a:spcBef>
+                <a:spcPts val="0"/>
+              </a:spcBef>
+              <a:spcAft>
+                <a:spcPts val="0"/>
+              </a:spcAft>
+              <a:buClrTx/>
+              <a:buSzTx/>
+              <a:buFontTx/>
+              <a:buNone/>
+              <a:tabLst/>
+              <a:defRPr/>
+            </a:pPr>
+            <a:endParaRPr lang="en-US" altLang="zh-CN" sz="1200" kern="1200" dirty="0" smtClean="0">
+              <a:solidFill>
+                <a:schemeClr val="tx1"/>
+              </a:solidFill>
+              <a:effectLst/>
+              <a:latin typeface="+mn-lt"/>
+              <a:ea typeface="+mn-ea"/>
+              <a:cs typeface="+mn-cs"/>
+            </a:endParaRPr>
+          </a:p>
+          <a:p>
+            <a:pPr marL="0" marR="0" indent="0" algn="l" defTabSz="457200" rtl="0" eaLnBrk="1" fontAlgn="auto" latinLnBrk="0" hangingPunct="1">
+              <a:lnSpc>
+                <a:spcPct val="100000"/>
+              </a:lnSpc>
+              <a:spcBef>
+                <a:spcPts val="0"/>
+              </a:spcBef>
+              <a:spcAft>
+                <a:spcPts val="0"/>
+              </a:spcAft>
+              <a:buClrTx/>
+              <a:buSzTx/>
+              <a:buFontTx/>
+              <a:buNone/>
+              <a:tabLst/>
+              <a:defRPr/>
+            </a:pPr>
+            <a:r>
+              <a:rPr lang="en-US" altLang="zh-CN" sz="1200" kern="1200" dirty="0" smtClean="0">
+                <a:solidFill>
+                  <a:schemeClr val="tx1"/>
+                </a:solidFill>
+                <a:effectLst/>
+                <a:latin typeface="+mn-lt"/>
+                <a:ea typeface="+mn-ea"/>
+                <a:cs typeface="+mn-cs"/>
+              </a:rPr>
+              <a:t>The ANOVA test is also used to make sure there is at least one variable is significant among all the clusters though it is not add into the interactive Shiny. </a:t>
+            </a:r>
+          </a:p>
+          <a:p>
+            <a:pPr marL="0" marR="0" indent="0" algn="l" defTabSz="457200" rtl="0" eaLnBrk="1" fontAlgn="auto" latinLnBrk="0" hangingPunct="1">
+              <a:lnSpc>
+                <a:spcPct val="100000"/>
+              </a:lnSpc>
+              <a:spcBef>
+                <a:spcPts val="0"/>
+              </a:spcBef>
+              <a:spcAft>
+                <a:spcPts val="0"/>
+              </a:spcAft>
+              <a:buClrTx/>
+              <a:buSzTx/>
+              <a:buFontTx/>
+              <a:buNone/>
+              <a:tabLst/>
+              <a:defRPr/>
+            </a:pPr>
+            <a:endParaRPr kumimoji="1" lang="en-US" altLang="zh-CN" sz="1200" kern="1200" dirty="0" smtClean="0">
+              <a:solidFill>
+                <a:schemeClr val="tx1"/>
+              </a:solidFill>
+              <a:effectLst/>
+              <a:latin typeface="+mn-lt"/>
+              <a:ea typeface="+mn-ea"/>
+              <a:cs typeface="+mn-cs"/>
+            </a:endParaRPr>
+          </a:p>
+          <a:p>
+            <a:pPr marL="0" marR="0" indent="0" algn="l" defTabSz="457200" rtl="0" eaLnBrk="1" fontAlgn="auto" latinLnBrk="0" hangingPunct="1">
+              <a:lnSpc>
+                <a:spcPct val="100000"/>
+              </a:lnSpc>
+              <a:spcBef>
+                <a:spcPts val="0"/>
+              </a:spcBef>
+              <a:spcAft>
+                <a:spcPts val="0"/>
+              </a:spcAft>
+              <a:buClrTx/>
+              <a:buSzTx/>
+              <a:buFontTx/>
+              <a:buNone/>
+              <a:tabLst/>
+              <a:defRPr/>
+            </a:pPr>
+            <a:r>
+              <a:rPr kumimoji="1" lang="en-US" altLang="zh-CN" sz="1200" kern="1200" dirty="0" smtClean="0">
+                <a:solidFill>
+                  <a:schemeClr val="tx1"/>
+                </a:solidFill>
+                <a:effectLst/>
+                <a:latin typeface="+mn-lt"/>
+                <a:ea typeface="+mn-ea"/>
+                <a:cs typeface="+mn-cs"/>
+              </a:rPr>
+              <a:t>Notes:</a:t>
+            </a:r>
+            <a:r>
+              <a:rPr kumimoji="1" lang="zh-CN" altLang="en-US" sz="1200" kern="1200" dirty="0" smtClean="0">
+                <a:solidFill>
+                  <a:schemeClr val="tx1"/>
+                </a:solidFill>
+                <a:effectLst/>
+                <a:latin typeface="+mn-lt"/>
+                <a:ea typeface="+mn-ea"/>
+                <a:cs typeface="+mn-cs"/>
+              </a:rPr>
+              <a:t> </a:t>
+            </a:r>
+            <a:r>
+              <a:rPr kumimoji="1" lang="en-US" altLang="zh-CN" sz="1200" kern="1200" dirty="0" smtClean="0">
+                <a:solidFill>
+                  <a:schemeClr val="tx1"/>
+                </a:solidFill>
+                <a:effectLst/>
+                <a:latin typeface="+mn-lt"/>
+                <a:ea typeface="+mn-ea"/>
+                <a:cs typeface="+mn-cs"/>
+              </a:rPr>
+              <a:t>What</a:t>
+            </a:r>
+            <a:r>
+              <a:rPr kumimoji="1" lang="zh-CN" altLang="en-US" sz="1200" kern="1200" dirty="0" smtClean="0">
+                <a:solidFill>
+                  <a:schemeClr val="tx1"/>
+                </a:solidFill>
+                <a:effectLst/>
+                <a:latin typeface="+mn-lt"/>
+                <a:ea typeface="+mn-ea"/>
+                <a:cs typeface="+mn-cs"/>
+              </a:rPr>
+              <a:t> </a:t>
+            </a:r>
+            <a:r>
+              <a:rPr kumimoji="1" lang="en-US" altLang="zh-CN" sz="1200" kern="1200" dirty="0" smtClean="0">
+                <a:solidFill>
+                  <a:schemeClr val="tx1"/>
+                </a:solidFill>
+                <a:effectLst/>
+                <a:latin typeface="+mn-lt"/>
+                <a:ea typeface="+mn-ea"/>
+                <a:cs typeface="+mn-cs"/>
+              </a:rPr>
+              <a:t>do</a:t>
+            </a:r>
+            <a:r>
+              <a:rPr kumimoji="1" lang="zh-CN" altLang="en-US" sz="1200" kern="1200" dirty="0" smtClean="0">
+                <a:solidFill>
+                  <a:schemeClr val="tx1"/>
+                </a:solidFill>
+                <a:effectLst/>
+                <a:latin typeface="+mn-lt"/>
+                <a:ea typeface="+mn-ea"/>
+                <a:cs typeface="+mn-cs"/>
+              </a:rPr>
+              <a:t> </a:t>
+            </a:r>
+            <a:r>
+              <a:rPr kumimoji="1" lang="en-US" altLang="zh-CN" sz="1200" kern="1200" dirty="0" smtClean="0">
+                <a:solidFill>
+                  <a:schemeClr val="tx1"/>
+                </a:solidFill>
+                <a:effectLst/>
+                <a:latin typeface="+mn-lt"/>
+                <a:ea typeface="+mn-ea"/>
+                <a:cs typeface="+mn-cs"/>
+              </a:rPr>
+              <a:t>you</a:t>
+            </a:r>
+            <a:r>
+              <a:rPr kumimoji="1" lang="zh-CN" altLang="en-US" sz="1200" kern="1200" dirty="0" smtClean="0">
+                <a:solidFill>
+                  <a:schemeClr val="tx1"/>
+                </a:solidFill>
+                <a:effectLst/>
+                <a:latin typeface="+mn-lt"/>
+                <a:ea typeface="+mn-ea"/>
+                <a:cs typeface="+mn-cs"/>
+              </a:rPr>
+              <a:t> </a:t>
+            </a:r>
+            <a:r>
+              <a:rPr kumimoji="1" lang="en-US" altLang="zh-CN" sz="1200" kern="1200" dirty="0" smtClean="0">
+                <a:solidFill>
+                  <a:schemeClr val="tx1"/>
+                </a:solidFill>
+                <a:effectLst/>
+                <a:latin typeface="+mn-lt"/>
+                <a:ea typeface="+mn-ea"/>
+                <a:cs typeface="+mn-cs"/>
+              </a:rPr>
+              <a:t>think</a:t>
+            </a:r>
+            <a:r>
+              <a:rPr kumimoji="1" lang="zh-CN" altLang="en-US" sz="1200" kern="1200" dirty="0" smtClean="0">
+                <a:solidFill>
+                  <a:schemeClr val="tx1"/>
+                </a:solidFill>
+                <a:effectLst/>
+                <a:latin typeface="+mn-lt"/>
+                <a:ea typeface="+mn-ea"/>
+                <a:cs typeface="+mn-cs"/>
+              </a:rPr>
+              <a:t> </a:t>
+            </a:r>
+            <a:r>
+              <a:rPr kumimoji="1" lang="en-US" altLang="zh-CN" sz="1200" kern="1200" dirty="0" smtClean="0">
+                <a:solidFill>
+                  <a:schemeClr val="tx1"/>
+                </a:solidFill>
+                <a:effectLst/>
+                <a:latin typeface="+mn-lt"/>
+                <a:ea typeface="+mn-ea"/>
+                <a:cs typeface="+mn-cs"/>
+              </a:rPr>
+              <a:t>about</a:t>
+            </a:r>
+            <a:r>
+              <a:rPr kumimoji="1" lang="zh-CN" altLang="en-US" sz="1200" kern="1200" dirty="0" smtClean="0">
+                <a:solidFill>
+                  <a:schemeClr val="tx1"/>
+                </a:solidFill>
+                <a:effectLst/>
+                <a:latin typeface="+mn-lt"/>
+                <a:ea typeface="+mn-ea"/>
+                <a:cs typeface="+mn-cs"/>
+              </a:rPr>
+              <a:t> </a:t>
+            </a:r>
+            <a:r>
+              <a:rPr kumimoji="1" lang="en-US" altLang="zh-CN" sz="1200" kern="1200" dirty="0" smtClean="0">
+                <a:solidFill>
+                  <a:schemeClr val="tx1"/>
+                </a:solidFill>
+                <a:effectLst/>
+                <a:latin typeface="+mn-lt"/>
+                <a:ea typeface="+mn-ea"/>
+                <a:cs typeface="+mn-cs"/>
+              </a:rPr>
+              <a:t>each</a:t>
+            </a:r>
+            <a:r>
+              <a:rPr kumimoji="1" lang="zh-CN" altLang="en-US" sz="1200" kern="1200" dirty="0" smtClean="0">
+                <a:solidFill>
+                  <a:schemeClr val="tx1"/>
+                </a:solidFill>
+                <a:effectLst/>
+                <a:latin typeface="+mn-lt"/>
+                <a:ea typeface="+mn-ea"/>
+                <a:cs typeface="+mn-cs"/>
+              </a:rPr>
+              <a:t> </a:t>
+            </a:r>
+            <a:r>
+              <a:rPr kumimoji="1" lang="en-US" altLang="zh-CN" sz="1200" kern="1200" dirty="0" smtClean="0">
+                <a:solidFill>
+                  <a:schemeClr val="tx1"/>
+                </a:solidFill>
+                <a:effectLst/>
+                <a:latin typeface="+mn-lt"/>
+                <a:ea typeface="+mn-ea"/>
+                <a:cs typeface="+mn-cs"/>
+              </a:rPr>
+              <a:t>cluster</a:t>
+            </a:r>
+            <a:r>
+              <a:rPr kumimoji="1" lang="zh-CN" altLang="en-US" sz="1200" kern="1200" dirty="0" smtClean="0">
+                <a:solidFill>
+                  <a:schemeClr val="tx1"/>
+                </a:solidFill>
+                <a:effectLst/>
+                <a:latin typeface="+mn-lt"/>
+                <a:ea typeface="+mn-ea"/>
+                <a:cs typeface="+mn-cs"/>
+              </a:rPr>
+              <a:t> </a:t>
+            </a:r>
+            <a:r>
+              <a:rPr kumimoji="1" lang="en-US" altLang="zh-CN" sz="1200" kern="1200" dirty="0" smtClean="0">
+                <a:solidFill>
+                  <a:schemeClr val="tx1"/>
+                </a:solidFill>
+                <a:effectLst/>
+                <a:latin typeface="+mn-lt"/>
+                <a:ea typeface="+mn-ea"/>
+                <a:cs typeface="+mn-cs"/>
+              </a:rPr>
+              <a:t>and</a:t>
+            </a:r>
+            <a:r>
+              <a:rPr kumimoji="1" lang="zh-CN" altLang="en-US" sz="1200" kern="1200" dirty="0" smtClean="0">
+                <a:solidFill>
+                  <a:schemeClr val="tx1"/>
+                </a:solidFill>
+                <a:effectLst/>
+                <a:latin typeface="+mn-lt"/>
+                <a:ea typeface="+mn-ea"/>
+                <a:cs typeface="+mn-cs"/>
+              </a:rPr>
+              <a:t> </a:t>
+            </a:r>
+            <a:r>
+              <a:rPr kumimoji="1" lang="en-US" altLang="zh-CN" sz="1200" kern="1200" dirty="0" smtClean="0">
+                <a:solidFill>
+                  <a:schemeClr val="tx1"/>
+                </a:solidFill>
+                <a:effectLst/>
+                <a:latin typeface="+mn-lt"/>
+                <a:ea typeface="+mn-ea"/>
+                <a:cs typeface="+mn-cs"/>
+              </a:rPr>
+              <a:t>each</a:t>
+            </a:r>
+            <a:r>
+              <a:rPr kumimoji="1" lang="zh-CN" altLang="en-US" sz="1200" kern="1200" dirty="0" smtClean="0">
+                <a:solidFill>
+                  <a:schemeClr val="tx1"/>
+                </a:solidFill>
+                <a:effectLst/>
+                <a:latin typeface="+mn-lt"/>
+                <a:ea typeface="+mn-ea"/>
+                <a:cs typeface="+mn-cs"/>
+              </a:rPr>
+              <a:t> </a:t>
+            </a:r>
+            <a:r>
+              <a:rPr kumimoji="1" lang="en-US" altLang="zh-CN" sz="1200" kern="1200" dirty="0" smtClean="0">
+                <a:solidFill>
+                  <a:schemeClr val="tx1"/>
+                </a:solidFill>
+                <a:effectLst/>
+                <a:latin typeface="+mn-lt"/>
+                <a:ea typeface="+mn-ea"/>
+                <a:cs typeface="+mn-cs"/>
+              </a:rPr>
+              <a:t>variables</a:t>
+            </a:r>
+            <a:r>
+              <a:rPr kumimoji="1" lang="zh-CN" altLang="en-US" sz="1200" kern="1200" dirty="0" smtClean="0">
+                <a:solidFill>
+                  <a:schemeClr val="tx1"/>
+                </a:solidFill>
+                <a:effectLst/>
+                <a:latin typeface="+mn-lt"/>
+                <a:ea typeface="+mn-ea"/>
+                <a:cs typeface="+mn-cs"/>
+              </a:rPr>
+              <a:t>. </a:t>
+            </a:r>
+            <a:r>
+              <a:rPr kumimoji="1" lang="en-US" altLang="zh-CN" sz="1200" kern="1200" dirty="0" smtClean="0">
+                <a:solidFill>
+                  <a:schemeClr val="tx1"/>
+                </a:solidFill>
+                <a:effectLst/>
+                <a:latin typeface="+mn-lt"/>
+                <a:ea typeface="+mn-ea"/>
+                <a:cs typeface="+mn-cs"/>
+              </a:rPr>
+              <a:t>While</a:t>
+            </a:r>
+            <a:r>
+              <a:rPr kumimoji="1" lang="zh-CN" altLang="en-US" sz="1200" kern="1200" dirty="0" smtClean="0">
+                <a:solidFill>
+                  <a:schemeClr val="tx1"/>
+                </a:solidFill>
+                <a:effectLst/>
+                <a:latin typeface="+mn-lt"/>
+                <a:ea typeface="+mn-ea"/>
+                <a:cs typeface="+mn-cs"/>
+              </a:rPr>
+              <a:t> </a:t>
+            </a:r>
+            <a:r>
+              <a:rPr kumimoji="1" lang="en-US" altLang="zh-CN" sz="1200" kern="1200" dirty="0" smtClean="0">
+                <a:solidFill>
+                  <a:schemeClr val="tx1"/>
+                </a:solidFill>
+                <a:effectLst/>
+                <a:latin typeface="+mn-lt"/>
+                <a:ea typeface="+mn-ea"/>
+                <a:cs typeface="+mn-cs"/>
+              </a:rPr>
+              <a:t>observing</a:t>
+            </a:r>
+            <a:r>
+              <a:rPr kumimoji="1" lang="zh-CN" altLang="en-US" sz="1200" kern="1200" dirty="0" smtClean="0">
+                <a:solidFill>
+                  <a:schemeClr val="tx1"/>
+                </a:solidFill>
+                <a:effectLst/>
+                <a:latin typeface="+mn-lt"/>
+                <a:ea typeface="+mn-ea"/>
+                <a:cs typeface="+mn-cs"/>
+              </a:rPr>
+              <a:t> </a:t>
+            </a:r>
+            <a:r>
+              <a:rPr kumimoji="1" lang="en-US" altLang="zh-CN" sz="1200" kern="1200" dirty="0" smtClean="0">
+                <a:solidFill>
+                  <a:schemeClr val="tx1"/>
+                </a:solidFill>
+                <a:effectLst/>
+                <a:latin typeface="+mn-lt"/>
+                <a:ea typeface="+mn-ea"/>
+                <a:cs typeface="+mn-cs"/>
+              </a:rPr>
+              <a:t>the</a:t>
+            </a:r>
+            <a:r>
+              <a:rPr kumimoji="1" lang="zh-CN" altLang="en-US" sz="1200" kern="1200" dirty="0" smtClean="0">
+                <a:solidFill>
+                  <a:schemeClr val="tx1"/>
+                </a:solidFill>
+                <a:effectLst/>
+                <a:latin typeface="+mn-lt"/>
+                <a:ea typeface="+mn-ea"/>
+                <a:cs typeface="+mn-cs"/>
+              </a:rPr>
+              <a:t> </a:t>
+            </a:r>
+            <a:r>
+              <a:rPr kumimoji="1" lang="en-US" altLang="zh-CN" sz="1200" kern="1200" dirty="0" smtClean="0">
+                <a:solidFill>
+                  <a:schemeClr val="tx1"/>
+                </a:solidFill>
+                <a:effectLst/>
+                <a:latin typeface="+mn-lt"/>
+                <a:ea typeface="+mn-ea"/>
+                <a:cs typeface="+mn-cs"/>
+              </a:rPr>
+              <a:t>visualizations,</a:t>
+            </a:r>
+            <a:r>
+              <a:rPr kumimoji="1" lang="zh-CN" altLang="en-US" sz="1200" kern="1200" dirty="0" smtClean="0">
+                <a:solidFill>
+                  <a:schemeClr val="tx1"/>
+                </a:solidFill>
+                <a:effectLst/>
+                <a:latin typeface="+mn-lt"/>
+                <a:ea typeface="+mn-ea"/>
+                <a:cs typeface="+mn-cs"/>
+              </a:rPr>
+              <a:t> </a:t>
+            </a:r>
+            <a:r>
+              <a:rPr kumimoji="1" lang="en-US" altLang="zh-CN" sz="1200" kern="1200" dirty="0" smtClean="0">
+                <a:solidFill>
+                  <a:schemeClr val="tx1"/>
+                </a:solidFill>
+                <a:effectLst/>
+                <a:latin typeface="+mn-lt"/>
+                <a:ea typeface="+mn-ea"/>
+                <a:cs typeface="+mn-cs"/>
+              </a:rPr>
+              <a:t>you</a:t>
+            </a:r>
+            <a:r>
+              <a:rPr kumimoji="1" lang="zh-CN" altLang="en-US" sz="1200" kern="1200" dirty="0" smtClean="0">
+                <a:solidFill>
+                  <a:schemeClr val="tx1"/>
+                </a:solidFill>
+                <a:effectLst/>
+                <a:latin typeface="+mn-lt"/>
+                <a:ea typeface="+mn-ea"/>
+                <a:cs typeface="+mn-cs"/>
+              </a:rPr>
+              <a:t> </a:t>
+            </a:r>
+            <a:r>
+              <a:rPr kumimoji="1" lang="en-US" altLang="zh-CN" sz="1200" kern="1200" dirty="0" smtClean="0">
+                <a:solidFill>
+                  <a:schemeClr val="tx1"/>
+                </a:solidFill>
+                <a:effectLst/>
+                <a:latin typeface="+mn-lt"/>
+                <a:ea typeface="+mn-ea"/>
+                <a:cs typeface="+mn-cs"/>
+              </a:rPr>
+              <a:t>can</a:t>
+            </a:r>
+            <a:r>
+              <a:rPr kumimoji="1" lang="zh-CN" altLang="en-US" sz="1200" kern="1200" dirty="0" smtClean="0">
+                <a:solidFill>
+                  <a:schemeClr val="tx1"/>
+                </a:solidFill>
+                <a:effectLst/>
+                <a:latin typeface="+mn-lt"/>
+                <a:ea typeface="+mn-ea"/>
+                <a:cs typeface="+mn-cs"/>
+              </a:rPr>
+              <a:t> </a:t>
+            </a:r>
+            <a:r>
+              <a:rPr kumimoji="1" lang="en-US" altLang="zh-CN" sz="1200" kern="1200" dirty="0" smtClean="0">
+                <a:solidFill>
+                  <a:schemeClr val="tx1"/>
+                </a:solidFill>
+                <a:effectLst/>
+                <a:latin typeface="+mn-lt"/>
+                <a:ea typeface="+mn-ea"/>
+                <a:cs typeface="+mn-cs"/>
+              </a:rPr>
+              <a:t>put</a:t>
+            </a:r>
+            <a:r>
+              <a:rPr kumimoji="1" lang="zh-CN" altLang="en-US" sz="1200" kern="1200" dirty="0" smtClean="0">
+                <a:solidFill>
+                  <a:schemeClr val="tx1"/>
+                </a:solidFill>
+                <a:effectLst/>
+                <a:latin typeface="+mn-lt"/>
+                <a:ea typeface="+mn-ea"/>
+                <a:cs typeface="+mn-cs"/>
+              </a:rPr>
+              <a:t> </a:t>
+            </a:r>
+            <a:r>
+              <a:rPr kumimoji="1" lang="en-US" altLang="zh-CN" sz="1200" kern="1200" dirty="0" smtClean="0">
+                <a:solidFill>
+                  <a:schemeClr val="tx1"/>
+                </a:solidFill>
+                <a:effectLst/>
+                <a:latin typeface="+mn-lt"/>
+                <a:ea typeface="+mn-ea"/>
+                <a:cs typeface="+mn-cs"/>
+              </a:rPr>
+              <a:t>notes.</a:t>
+            </a:r>
+            <a:r>
+              <a:rPr kumimoji="1" lang="zh-CN" altLang="en-US" sz="1200" kern="1200" dirty="0" smtClean="0">
+                <a:solidFill>
+                  <a:schemeClr val="tx1"/>
+                </a:solidFill>
+                <a:effectLst/>
+                <a:latin typeface="+mn-lt"/>
+                <a:ea typeface="+mn-ea"/>
+                <a:cs typeface="+mn-cs"/>
+              </a:rPr>
+              <a:t> </a:t>
+            </a:r>
+            <a:r>
+              <a:rPr kumimoji="1" lang="en-US" altLang="zh-CN" sz="1200" kern="1200" dirty="0" smtClean="0">
+                <a:solidFill>
+                  <a:schemeClr val="tx1"/>
+                </a:solidFill>
+                <a:effectLst/>
+                <a:latin typeface="+mn-lt"/>
+                <a:ea typeface="+mn-ea"/>
+                <a:cs typeface="+mn-cs"/>
+              </a:rPr>
+              <a:t>And</a:t>
+            </a:r>
+            <a:r>
+              <a:rPr kumimoji="1" lang="zh-CN" altLang="en-US" sz="1200" kern="1200" dirty="0" smtClean="0">
+                <a:solidFill>
+                  <a:schemeClr val="tx1"/>
+                </a:solidFill>
+                <a:effectLst/>
+                <a:latin typeface="+mn-lt"/>
+                <a:ea typeface="+mn-ea"/>
+                <a:cs typeface="+mn-cs"/>
+              </a:rPr>
+              <a:t> </a:t>
+            </a:r>
+            <a:r>
+              <a:rPr kumimoji="1" lang="en-US" altLang="zh-CN" sz="1200" kern="1200" dirty="0" smtClean="0">
+                <a:solidFill>
+                  <a:schemeClr val="tx1"/>
+                </a:solidFill>
+                <a:effectLst/>
+                <a:latin typeface="+mn-lt"/>
+                <a:ea typeface="+mn-ea"/>
+                <a:cs typeface="+mn-cs"/>
+              </a:rPr>
+              <a:t>it</a:t>
+            </a:r>
+            <a:r>
+              <a:rPr kumimoji="1" lang="zh-CN" altLang="en-US" sz="1200" kern="1200" dirty="0" smtClean="0">
+                <a:solidFill>
+                  <a:schemeClr val="tx1"/>
+                </a:solidFill>
+                <a:effectLst/>
+                <a:latin typeface="+mn-lt"/>
+                <a:ea typeface="+mn-ea"/>
+                <a:cs typeface="+mn-cs"/>
+              </a:rPr>
+              <a:t> </a:t>
+            </a:r>
+            <a:r>
+              <a:rPr kumimoji="1" lang="en-US" altLang="zh-CN" sz="1200" kern="1200" dirty="0" smtClean="0">
+                <a:solidFill>
+                  <a:schemeClr val="tx1"/>
+                </a:solidFill>
+                <a:effectLst/>
+                <a:latin typeface="+mn-lt"/>
+                <a:ea typeface="+mn-ea"/>
+                <a:cs typeface="+mn-cs"/>
+              </a:rPr>
+              <a:t>will</a:t>
+            </a:r>
+            <a:r>
+              <a:rPr kumimoji="1" lang="zh-CN" altLang="en-US" sz="1200" kern="1200" dirty="0" smtClean="0">
+                <a:solidFill>
+                  <a:schemeClr val="tx1"/>
+                </a:solidFill>
+                <a:effectLst/>
+                <a:latin typeface="+mn-lt"/>
+                <a:ea typeface="+mn-ea"/>
+                <a:cs typeface="+mn-cs"/>
+              </a:rPr>
+              <a:t> </a:t>
+            </a:r>
+            <a:r>
+              <a:rPr kumimoji="1" lang="en-US" altLang="zh-CN" sz="1200" kern="1200" dirty="0" smtClean="0">
+                <a:solidFill>
+                  <a:schemeClr val="tx1"/>
+                </a:solidFill>
+                <a:effectLst/>
+                <a:latin typeface="+mn-lt"/>
+                <a:ea typeface="+mn-ea"/>
+                <a:cs typeface="+mn-cs"/>
+              </a:rPr>
+              <a:t>return</a:t>
+            </a:r>
+            <a:r>
+              <a:rPr kumimoji="1" lang="zh-CN" altLang="en-US" sz="1200" kern="1200" dirty="0" smtClean="0">
+                <a:solidFill>
+                  <a:schemeClr val="tx1"/>
+                </a:solidFill>
+                <a:effectLst/>
+                <a:latin typeface="+mn-lt"/>
+                <a:ea typeface="+mn-ea"/>
+                <a:cs typeface="+mn-cs"/>
+              </a:rPr>
+              <a:t> </a:t>
+            </a:r>
+            <a:r>
+              <a:rPr kumimoji="1" lang="en-US" altLang="zh-CN" sz="1200" kern="1200" dirty="0" smtClean="0">
+                <a:solidFill>
+                  <a:schemeClr val="tx1"/>
+                </a:solidFill>
+                <a:effectLst/>
+                <a:latin typeface="+mn-lt"/>
+                <a:ea typeface="+mn-ea"/>
+                <a:cs typeface="+mn-cs"/>
+              </a:rPr>
+              <a:t>to</a:t>
+            </a:r>
+            <a:r>
+              <a:rPr kumimoji="1" lang="zh-CN" altLang="en-US" sz="1200" kern="1200" dirty="0" smtClean="0">
+                <a:solidFill>
+                  <a:schemeClr val="tx1"/>
+                </a:solidFill>
+                <a:effectLst/>
+                <a:latin typeface="+mn-lt"/>
+                <a:ea typeface="+mn-ea"/>
+                <a:cs typeface="+mn-cs"/>
+              </a:rPr>
+              <a:t> </a:t>
+            </a:r>
+            <a:r>
+              <a:rPr kumimoji="1" lang="en-US" altLang="zh-CN" sz="1200" kern="1200" dirty="0" smtClean="0">
+                <a:solidFill>
+                  <a:schemeClr val="tx1"/>
+                </a:solidFill>
+                <a:effectLst/>
+                <a:latin typeface="+mn-lt"/>
+                <a:ea typeface="+mn-ea"/>
+                <a:cs typeface="+mn-cs"/>
+              </a:rPr>
+              <a:t>the</a:t>
+            </a:r>
+            <a:r>
+              <a:rPr kumimoji="1" lang="zh-CN" altLang="en-US" sz="1200" kern="1200" dirty="0" smtClean="0">
+                <a:solidFill>
+                  <a:schemeClr val="tx1"/>
+                </a:solidFill>
+                <a:effectLst/>
+                <a:latin typeface="+mn-lt"/>
+                <a:ea typeface="+mn-ea"/>
+                <a:cs typeface="+mn-cs"/>
+              </a:rPr>
+              <a:t> </a:t>
+            </a:r>
+            <a:r>
+              <a:rPr kumimoji="1" lang="en-US" altLang="zh-CN" sz="1200" kern="1200" smtClean="0">
+                <a:solidFill>
+                  <a:schemeClr val="tx1"/>
+                </a:solidFill>
+                <a:effectLst/>
+                <a:latin typeface="+mn-lt"/>
+                <a:ea typeface="+mn-ea"/>
+                <a:cs typeface="+mn-cs"/>
+              </a:rPr>
+              <a:t>summary.</a:t>
+            </a:r>
+            <a:endParaRPr kumimoji="1" lang="zh-CN" altLang="en-US" dirty="0"/>
+          </a:p>
+        </p:txBody>
+      </p:sp>
+      <p:sp>
+        <p:nvSpPr>
+          <p:cNvPr id="4" name="幻灯片编号占位符 3"/>
+          <p:cNvSpPr>
+            <a:spLocks noGrp="1"/>
+          </p:cNvSpPr>
+          <p:nvPr>
+            <p:ph type="sldNum" sz="quarter" idx="10"/>
+          </p:nvPr>
+        </p:nvSpPr>
+        <p:spPr/>
+        <p:txBody>
+          <a:bodyPr/>
+          <a:lstStyle/>
+          <a:p>
+            <a:fld id="{35B4D3EB-25F4-A940-9B46-8CC09FE67ACA}" type="slidenum">
+              <a:rPr kumimoji="1" lang="zh-CN" altLang="en-US" smtClean="0"/>
+              <a:t>3</a:t>
+            </a:fld>
+            <a:endParaRPr kumimoji="1" lang="zh-CN" altLang="en-US"/>
+          </a:p>
+        </p:txBody>
+      </p:sp>
+    </p:spTree>
+    <p:extLst>
+      <p:ext uri="{BB962C8B-B14F-4D97-AF65-F5344CB8AC3E}">
+        <p14:creationId xmlns:p14="http://schemas.microsoft.com/office/powerpoint/2010/main" val="1525665870"/>
+      </p:ext>
+    </p:extLst>
+  </p:cSld>
+  <p:clrMapOvr>
+    <a:masterClrMapping/>
+  </p:clrMapOvr>
+</p:notes>
 </file>
 
 <file path=ppt/slideLayouts/slideLayout1.xml><?xml version="1.0" encoding="utf-8"?>
@@ -4560,36 +6294,6 @@
           <a:chExt cx="0" cy="0"/>
         </a:xfrm>
       </p:grpSpPr>
-      <p:pic>
-        <p:nvPicPr>
-          <p:cNvPr id="4" name="图片 3"/>
-          <p:cNvPicPr>
-            <a:picLocks noChangeAspect="1"/>
-          </p:cNvPicPr>
-          <p:nvPr/>
-        </p:nvPicPr>
-        <p:blipFill>
-          <a:blip r:embed="rId2">
-            <a:extLst>
-              <a:ext uri="{28A0092B-C50C-407E-A947-70E740481C1C}">
-                <a14:useLocalDpi xmlns:a14="http://schemas.microsoft.com/office/drawing/2010/main" val="0"/>
-              </a:ext>
-            </a:extLst>
-          </a:blip>
-          <a:stretch>
-            <a:fillRect/>
-          </a:stretch>
-        </p:blipFill>
-        <p:spPr>
-          <a:xfrm>
-            <a:off x="4032366" y="1536253"/>
-            <a:ext cx="6495875" cy="4601488"/>
-          </a:xfrm>
-          <a:prstGeom prst="rect">
-            <a:avLst/>
-          </a:prstGeom>
-        </p:spPr>
-      </p:pic>
       <p:sp>
         <p:nvSpPr>
           <p:cNvPr id="2" name="标题 1"/>
@@ -4648,19 +6352,19 @@
             </a:r>
             <a:r>
               <a:rPr kumimoji="1" lang="en-US" altLang="zh-CN" sz="2000" dirty="0" smtClean="0">
-                <a:hlinkClick r:id="rId3"/>
+                <a:hlinkClick r:id="rId2"/>
               </a:rPr>
               <a:t>http://</a:t>
             </a:r>
             <a:r>
               <a:rPr kumimoji="1" lang="en-US" altLang="zh-CN" sz="2000" dirty="0" smtClean="0">
-                <a:hlinkClick r:id="rId3"/>
+                <a:hlinkClick r:id="rId2"/>
               </a:rPr>
               <a:t>dachicj.com/ChicagoCensusVisualization</a:t>
             </a:r>
             <a:r>
               <a:rPr kumimoji="1" lang="en-US" altLang="zh-CN" sz="2000" dirty="0" smtClean="0">
-                <a:hlinkClick r:id="rId3"/>
+                <a:hlinkClick r:id="rId2"/>
               </a:rPr>
               <a:t>/</a:t>
             </a:r>
@@ -4820,6 +6524,36 @@
           </a:p>
         </p:txBody>
       </p:sp>
+      <p:pic>
+        <p:nvPicPr>
+          <p:cNvPr id="9" name="图片 8"/>
+          <p:cNvPicPr>
+            <a:picLocks noChangeAspect="1"/>
+          </p:cNvPicPr>
+          <p:nvPr/>
+        </p:nvPicPr>
+        <p:blipFill>
+          <a:blip r:embed="rId3">
+            <a:extLst>
+              <a:ext uri="{28A0092B-C50C-407E-A947-70E740481C1C}">
+                <a14:useLocalDpi xmlns:a14="http://schemas.microsoft.com/office/drawing/2010/main" val="0"/>
+              </a:ext>
+            </a:extLst>
+          </a:blip>
+          <a:stretch>
+            <a:fillRect/>
+          </a:stretch>
+        </p:blipFill>
+        <p:spPr>
+          <a:xfrm>
+            <a:off x="3956529" y="1269662"/>
+            <a:ext cx="7016271" cy="5205570"/>
+          </a:xfrm>
+          <a:prstGeom prst="rect">
+            <a:avLst/>
+          </a:prstGeom>
+        </p:spPr>
+      </p:pic>
       <p:sp>
         <p:nvSpPr>
           <p:cNvPr id="10" name="文本框 9"/>
@@ -4905,7 +6639,7 @@
           <a:lstStyle/>
           <a:p>
             <a:r>
-              <a:rPr kumimoji="1" lang="en-US" altLang="zh-CN" dirty="0" smtClean="0"/>
+              <a:rPr kumimoji="1" lang="en-US" altLang="zh-CN" smtClean="0"/>
               <a:t>Choropleth</a:t>
             </a:r>
             <a:endParaRPr kumimoji="1" lang="zh-CN" altLang="en-US" dirty="0"/>
@@ -5101,6 +6835,320 @@
 </p:sld>
 </file>
 
+<file path=ppt/slides/slide3.xml><?xml version="1.0" encoding="utf-8"?>
+<p:sld xmlns:a="http://schemas.openxmlformats.org/drawingml/2006/main" xmlns:r="http://schemas.openxmlformats.org/officeDocument/2006/relationships" xmlns:p="http://schemas.openxmlformats.org/presentationml/2006/main">
+  <p:cSld>
+    <p:spTree>
+      <p:nvGrpSpPr>
+        <p:cNvPr id="1" name=""/>
+        <p:cNvGrpSpPr/>
+        <p:nvPr/>
+      </p:nvGrpSpPr>
+      <p:grpSpPr>
+        <a:xfrm>
+          <a:off x="0" y="0"/>
+          <a:ext cx="0" cy="0"/>
+          <a:chOff x="0" y="0"/>
+          <a:chExt cx="0" cy="0"/>
+        </a:xfrm>
+      </p:grpSpPr>
+      <p:sp>
+        <p:nvSpPr>
+          <p:cNvPr id="2" name="标题 1"/>
+          <p:cNvSpPr>
+            <a:spLocks noGrp="1"/>
+          </p:cNvSpPr>
+          <p:nvPr>
+            <p:ph type="title"/>
+          </p:nvPr>
+        </p:nvSpPr>
+        <p:spPr>
+          <a:xfrm>
+            <a:off x="1069848" y="264330"/>
+            <a:ext cx="10058400" cy="1109578"/>
+          </a:xfrm>
+        </p:spPr>
+        <p:txBody>
+          <a:bodyPr>
+            <a:normAutofit fontScale="90000"/>
+          </a:bodyPr>
+          <a:lstStyle/>
+          <a:p>
+            <a:r>
+              <a:rPr kumimoji="1" lang="en-US" altLang="zh-CN" sz="4000" dirty="0" smtClean="0"/>
+              <a:t>Visualization 3 Census Tract </a:t>
+            </a:r>
+            <a:br>
+              <a:rPr kumimoji="1" lang="en-US" altLang="zh-CN" sz="4000" dirty="0" smtClean="0"/>
+            </a:br>
+            <a:r>
+              <a:rPr kumimoji="1" lang="en-US" altLang="zh-CN" sz="4000" dirty="0" smtClean="0"/>
+              <a:t>SHINY</a:t>
+            </a:r>
+            <a:r>
+              <a:rPr kumimoji="1" lang="zh-CN" altLang="en-US" sz="4000" dirty="0" smtClean="0"/>
+              <a:t> </a:t>
+            </a:r>
+            <a:r>
+              <a:rPr kumimoji="1" lang="en-US" altLang="zh-CN" sz="4000" dirty="0" smtClean="0"/>
+              <a:t>APPLICATION</a:t>
+            </a:r>
+            <a:endParaRPr kumimoji="1" lang="zh-CN" altLang="en-US" sz="4000" dirty="0"/>
+          </a:p>
+        </p:txBody>
+      </p:sp>
+      <p:sp>
+        <p:nvSpPr>
+          <p:cNvPr id="3" name="内容占位符 2"/>
+          <p:cNvSpPr>
+            <a:spLocks noGrp="1"/>
+          </p:cNvSpPr>
+          <p:nvPr>
+            <p:ph idx="1"/>
+          </p:nvPr>
+        </p:nvSpPr>
+        <p:spPr>
+          <a:xfrm>
+            <a:off x="228600" y="1498600"/>
+            <a:ext cx="3441699" cy="4914899"/>
+          </a:xfrm>
+        </p:spPr>
+        <p:txBody>
+          <a:bodyPr>
+            <a:normAutofit/>
+          </a:bodyPr>
+          <a:lstStyle/>
+          <a:p>
+            <a:r>
+              <a:rPr kumimoji="1" lang="en-US" altLang="zh-CN" dirty="0" err="1" smtClean="0"/>
+              <a:t>Github_version</a:t>
+            </a:r>
+            <a:r>
+              <a:rPr kumimoji="1" lang="en-US" altLang="zh-CN" dirty="0" smtClean="0"/>
+              <a:t>:</a:t>
+            </a:r>
+          </a:p>
+          <a:p>
+            <a:pPr lvl="1"/>
+            <a:r>
+              <a:rPr kumimoji="1" lang="en-US" altLang="zh-CN" dirty="0" smtClean="0"/>
+              <a:t>library(shiny)</a:t>
+            </a:r>
+          </a:p>
+          <a:p>
+            <a:pPr lvl="1"/>
+            <a:r>
+              <a:rPr kumimoji="1" lang="en-US" altLang="zh-CN" dirty="0" err="1" smtClean="0"/>
+              <a:t>runUrl</a:t>
+            </a:r>
+            <a:r>
+              <a:rPr kumimoji="1" lang="en-US" altLang="zh-CN" dirty="0" smtClean="0"/>
+              <a:t>(“https</a:t>
+            </a:r>
+            <a:r>
+              <a:rPr kumimoji="1" lang="en-US" altLang="zh-CN" dirty="0"/>
+              <a:t>://</a:t>
+            </a:r>
+            <a:r>
+              <a:rPr kumimoji="1" lang="en-US" altLang="zh-CN" dirty="0" err="1" smtClean="0"/>
+              <a:t>github.com</a:t>
+            </a:r>
+            <a:r>
+              <a:rPr kumimoji="1" lang="en-US" altLang="zh-CN" dirty="0" smtClean="0"/>
+              <a:t>/</a:t>
+            </a:r>
+            <a:r>
+              <a:rPr kumimoji="1" lang="en-US" altLang="zh-CN" dirty="0" err="1" smtClean="0"/>
+              <a:t>DachiCoding</a:t>
+            </a:r>
+            <a:r>
+              <a:rPr kumimoji="1" lang="en-US" altLang="zh-CN" dirty="0" smtClean="0"/>
+              <a:t>/</a:t>
+            </a:r>
+            <a:r>
+              <a:rPr kumimoji="1" lang="en-US" altLang="zh-CN" dirty="0" err="1" smtClean="0"/>
+              <a:t>ChciagoCensusVisualization</a:t>
+            </a:r>
+            <a:r>
+              <a:rPr kumimoji="1" lang="en-US" altLang="zh-CN" dirty="0" smtClean="0"/>
+              <a:t>/raw/master/scripts/</a:t>
+            </a:r>
+            <a:r>
+              <a:rPr kumimoji="1" lang="en-US" altLang="zh-CN" dirty="0" err="1" smtClean="0"/>
+              <a:t>census.zip</a:t>
+            </a:r>
+            <a:r>
+              <a:rPr kumimoji="1" lang="en-US" altLang="zh-CN" dirty="0" smtClean="0"/>
+              <a:t>”</a:t>
+            </a:r>
+            <a:r>
+              <a:rPr kumimoji="1" lang="en-US" altLang="zh-CN" dirty="0" smtClean="0"/>
+              <a:t>, </a:t>
+            </a:r>
+            <a:r>
+              <a:rPr kumimoji="1" lang="en-US" altLang="zh-CN" dirty="0" err="1"/>
+              <a:t>display.mode</a:t>
+            </a:r>
+            <a:r>
+              <a:rPr kumimoji="1" lang="en-US" altLang="zh-CN" dirty="0"/>
+              <a:t> = </a:t>
+            </a:r>
+            <a:r>
+              <a:rPr kumimoji="1" lang="en-US" altLang="zh-CN" dirty="0" smtClean="0"/>
+              <a:t>“</a:t>
+            </a:r>
+            <a:r>
+              <a:rPr kumimoji="1" lang="en-US" altLang="zh-CN" dirty="0" smtClean="0"/>
+              <a:t>showcase</a:t>
+            </a:r>
+            <a:r>
+              <a:rPr kumimoji="1" lang="en-US" altLang="zh-CN" dirty="0" smtClean="0"/>
+              <a:t>”</a:t>
+            </a:r>
+            <a:r>
+              <a:rPr kumimoji="1" lang="en-US" altLang="zh-CN" dirty="0" smtClean="0"/>
+              <a:t>)</a:t>
+            </a:r>
+            <a:endParaRPr kumimoji="1" lang="en-US" altLang="zh-CN" dirty="0"/>
+          </a:p>
+          <a:p>
+            <a:r>
+              <a:rPr kumimoji="1" lang="en-US" altLang="zh-CN" dirty="0"/>
+              <a:t> </a:t>
+            </a:r>
+            <a:r>
+              <a:rPr kumimoji="1" lang="en-US" altLang="zh-CN" dirty="0" err="1" smtClean="0"/>
+              <a:t>ShinyIO</a:t>
+            </a:r>
+            <a:r>
+              <a:rPr kumimoji="1" lang="zh-CN" altLang="en-US" dirty="0" smtClean="0"/>
+              <a:t>_</a:t>
+            </a:r>
+            <a:r>
+              <a:rPr kumimoji="1" lang="en-US" altLang="zh-CN" dirty="0" smtClean="0"/>
+              <a:t>Version:</a:t>
+            </a:r>
+          </a:p>
+          <a:p>
+            <a:pPr lvl="1"/>
+            <a:r>
+              <a:rPr kumimoji="1" lang="en-US" altLang="zh-CN" dirty="0" smtClean="0">
+                <a:hlinkClick r:id="rId3"/>
+              </a:rPr>
+              <a:t>https</a:t>
+            </a:r>
+            <a:r>
+              <a:rPr kumimoji="1" lang="en-US" altLang="zh-CN" dirty="0">
+                <a:hlinkClick r:id="rId3"/>
+              </a:rPr>
+              <a:t>://lzhaolon.shinyapps.io/census</a:t>
+            </a:r>
+            <a:r>
+              <a:rPr kumimoji="1" lang="en-US" altLang="zh-CN" dirty="0" smtClean="0">
+                <a:hlinkClick r:id="rId3"/>
+              </a:rPr>
+              <a:t>/</a:t>
+            </a:r>
+            <a:endParaRPr kumimoji="1" lang="en-US" altLang="zh-CN" dirty="0" smtClean="0"/>
+          </a:p>
+          <a:p>
+            <a:pPr lvl="1"/>
+            <a:endParaRPr kumimoji="1" lang="en-US" altLang="zh-CN" sz="1800" dirty="0"/>
+          </a:p>
+          <a:p>
+            <a:pPr marL="0" indent="0">
+              <a:buNone/>
+            </a:pPr>
+            <a:endParaRPr kumimoji="1" lang="en-US" altLang="zh-CN" sz="2000" dirty="0" smtClean="0"/>
+          </a:p>
+          <a:p>
+            <a:endParaRPr kumimoji="1" lang="zh-CN" altLang="en-US" sz="2000" dirty="0"/>
+          </a:p>
+        </p:txBody>
+      </p:sp>
+      <p:cxnSp>
+        <p:nvCxnSpPr>
+          <p:cNvPr id="15" name="直线箭头连接符 14"/>
+          <p:cNvCxnSpPr/>
+          <p:nvPr/>
+        </p:nvCxnSpPr>
+        <p:spPr>
+          <a:xfrm flipV="1">
+            <a:off x="4929061" y="4185959"/>
+            <a:ext cx="872074" cy="2"/>
+          </a:xfrm>
+          <a:prstGeom prst="straightConnector1">
+            <a:avLst/>
+          </a:prstGeom>
+          <a:ln>
+            <a:tailEnd type="triangle"/>
+          </a:ln>
+        </p:spPr>
+        <p:style>
+          <a:lnRef idx="1">
+            <a:schemeClr val="dk1"/>
+          </a:lnRef>
+          <a:fillRef idx="0">
+            <a:schemeClr val="dk1"/>
+          </a:fillRef>
+          <a:effectRef idx="0">
+            <a:schemeClr val="dk1"/>
+          </a:effectRef>
+          <a:fontRef idx="minor">
+            <a:schemeClr val="tx1"/>
+          </a:fontRef>
+        </p:style>
+      </p:cxnSp>
+      <p:pic>
+        <p:nvPicPr>
+          <p:cNvPr id="4" name="图片 3" descr="Screen Shot 2016-03-05 at 11.27.31 PM.png"/>
+          <p:cNvPicPr>
+            <a:picLocks noChangeAspect="1"/>
+          </p:cNvPicPr>
+          <p:nvPr/>
+        </p:nvPicPr>
+        <p:blipFill>
+          <a:blip r:embed="rId4">
+            <a:extLst>
+              <a:ext uri="{28A0092B-C50C-407E-A947-70E740481C1C}">
+                <a14:useLocalDpi xmlns:a14="http://schemas.microsoft.com/office/drawing/2010/main" val="0"/>
+              </a:ext>
+            </a:extLst>
+          </a:blip>
+          <a:stretch>
+            <a:fillRect/>
+          </a:stretch>
+        </p:blipFill>
+        <p:spPr>
+          <a:xfrm>
+            <a:off x="3918440" y="1264008"/>
+            <a:ext cx="7291448" cy="5305507"/>
+          </a:xfrm>
+          <a:prstGeom prst="rect">
+            <a:avLst/>
+          </a:prstGeom>
+        </p:spPr>
+      </p:pic>
+    </p:spTree>
+    <p:extLst>
+      <p:ext uri="{BB962C8B-B14F-4D97-AF65-F5344CB8AC3E}">
+        <p14:creationId xmlns:p14="http://schemas.microsoft.com/office/powerpoint/2010/main" val="3680466803"/>
+      </p:ext>
+    </p:extLst>
+  </p:cSld>
+  <p:clrMapOvr>
+    <a:masterClrMapping/>
+  </p:clrMapOvr>
+  <p:timing>
+    <p:tnLst>
+      <p:par>
+        <p:cTn id="1" dur="indefinite" restart="never" nodeType="tmRoot"/>
+      </p:par>
+    </p:tnLst>
+  </p:timing>
+</p:sld>
+</file>
+
 <file path=ppt/theme/theme1.xml><?xml version="1.0" encoding="utf-8"?>
 <a:theme xmlns:a="http://schemas.openxmlformats.org/drawingml/2006/main" name="木活字">
   <a:themeElements>
@@ -5144,7 +7192,7 @@
     </a:clrScheme>
     <a:fontScheme name="木活字">
       <a:majorFont>
-        <a:latin typeface="Rockwell Condensed" panose="02060603050405020104"/>
+        <a:latin typeface="Rockwell Condensed"/>
         <a:ea typeface=""/>
         <a:cs typeface=""/>
         <a:font script="Grek" typeface="Cambria"/>
@@ -5180,7 +7228,7 @@
         <a:font script="Uigh" typeface="Microsoft Uighur"/>
       </a:majorFont>
       <a:minorFont>
-        <a:latin typeface="Rockwell" panose="02060603020205020403"/>
+        <a:latin typeface="Rockwell"/>
         <a:ea typeface=""/>
         <a:cs typeface=""/>
         <a:font script="Grek" typeface="Cambria"/>
@@ -5328,4 +7376,324 @@
     </a:ext>
   </a:extLst>
 </a:theme>
+</file>
+
+<file path=ppt/theme/theme2.xml><?xml version="1.0" encoding="utf-8"?>
+<a:theme xmlns:a="http://schemas.openxmlformats.org/drawingml/2006/main" name="Office 主题">
+  <a:themeElements>
+    <a:clrScheme name="办公室">
+      <a:dk1>
+        <a:sysClr val="windowText" lastClr="000000"/>
+      </a:dk1>
+      <a:lt1>
+        <a:sysClr val="window" lastClr="FFFFFF"/>
+      </a:lt1>
+      <a:dk2>
+        <a:srgbClr val="1F497D"/>
+      </a:dk2>
+      <a:lt2>
+        <a:srgbClr val="EEECE1"/>
+      </a:lt2>
+      <a:accent1>
+        <a:srgbClr val="4F81BD"/>
+      </a:accent1>
+      <a:accent2>
+        <a:srgbClr val="C0504D"/>
+      </a:accent2>
+      <a:accent3>
+        <a:srgbClr val="9BBB59"/>
+      </a:accent3>
+      <a:accent4>
+        <a:srgbClr val="8064A2"/>
+      </a:accent4>
+      <a:accent5>
+        <a:srgbClr val="4BACC6"/>
+      </a:accent5>
+      <a:accent6>
+        <a:srgbClr val="F79646"/>
+      </a:accent6>
+      <a:hlink>
+        <a:srgbClr val="0000FF"/>
+      </a:hlink>
+      <a:folHlink>
+        <a:srgbClr val="800080"/>
+      </a:folHlink>
+    </a:clrScheme>
+    <a:fontScheme name="办公室">
+      <a:majorFont>
+        <a:latin typeface="Calibri"/>
+        <a:ea typeface=""/>
+        <a:cs typeface=""/>
+        <a:font script="Jpan" typeface="ＭＳ Ｐゴシック"/>
+        <a:font script="Hang" typeface="맑은 고딕"/>
+        <a:font script="Hans" typeface="宋体"/>
+        <a:font script="Hant" typeface="新細明體"/>
+        <a:font script="Arab" typeface="Times New Roman"/>
+        <a:font script="Hebr" typeface="Times New Roman"/>
+        <a:font script="Thai" typeface="Angsana New"/>
+        <a:font script="Ethi" typeface="Nyala"/>
+        <a:font script="Beng" typeface="Vrinda"/>
+        <a:font script="Gujr" typeface="Shruti"/>
+        <a:font script="Khmr" typeface="MoolBoran"/>
+        <a:font script="Knda" typeface="Tunga"/>
+        <a:font script="Guru" typeface="Raavi"/>
+        <a:font script="Cans" typeface="Euphemia"/>
+        <a:font script="Cher" typeface="Plantagenet Cherokee"/>
+        <a:font script="Yiii" typeface="Microsoft Yi Baiti"/>
+        <a:font script="Tibt" typeface="Microsoft Himalaya"/>
+        <a:font script="Thaa" typeface="MV Boli"/>
+        <a:font script="Deva" typeface="Mangal"/>
+        <a:font script="Telu" typeface="Gautami"/>
+        <a:font script="Taml" typeface="Latha"/>
+        <a:font script="Syrc" typeface="Estrangelo Edessa"/>
+        <a:font script="Orya" typeface="Kalinga"/>
+        <a:font script="Mlym" typeface="Kartika"/>
+        <a:font script="Laoo" typeface="DokChampa"/>
+        <a:font script="Sinh" typeface="Iskoola Pota"/>
+        <a:font script="Mong" typeface="Mongolian Baiti"/>
+        <a:font script="Viet" typeface="Times New Roman"/>
+        <a:font script="Uigh" typeface="Microsoft Uighur"/>
+        <a:font script="Geor" typeface="Sylfaen"/>
+      </a:majorFont>
+      <a:minorFont>
+        <a:latin typeface="Calibri"/>
+        <a:ea typeface=""/>
+        <a:cs typeface=""/>
+        <a:font script="Jpan" typeface="ＭＳ Ｐゴシック"/>
+        <a:font script="Hang" typeface="맑은 고딕"/>
+        <a:font script="Hans" typeface="宋体"/>
+        <a:font script="Hant" typeface="新細明體"/>
+        <a:font script="Arab" typeface="Arial"/>
+        <a:font script="Hebr" typeface="Arial"/>
+        <a:font script="Thai" typeface="Cordia New"/>
+        <a:font script="Ethi" typeface="Nyala"/>
+        <a:font script="Beng" typeface="Vrinda"/>
+        <a:font script="Gujr" typeface="Shruti"/>
+        <a:font script="Khmr" typeface="DaunPenh"/>
+        <a:font script="Knda" typeface="Tunga"/>
+        <a:font script="Guru" typeface="Raavi"/>
+        <a:font script="Cans" typeface="Euphemia"/>
+        <a:font script="Cher" typeface="Plantagenet Cherokee"/>
+        <a:font script="Yiii" typeface="Microsoft Yi Baiti"/>
+        <a:font script="Tibt" typeface="Microsoft Himalaya"/>
+        <a:font script="Thaa" typeface="MV Boli"/>
+        <a:font script="Deva" typeface="Mangal"/>
+        <a:font script="Telu" typeface="Gautami"/>
+        <a:font script="Taml" typeface="Latha"/>
+        <a:font script="Syrc" typeface="Estrangelo Edessa"/>
+        <a:font script="Orya" typeface="Kalinga"/>
+        <a:font script="Mlym" typeface="Kartika"/>
+        <a:font script="Laoo" typeface="DokChampa"/>
+        <a:font script="Sinh" typeface="Iskoola Pota"/>
+        <a:font script="Mong" typeface="Mongolian Baiti"/>
+        <a:font script="Viet" typeface="Arial"/>
+        <a:font script="Uigh" typeface="Microsoft Uighur"/>
+        <a:font script="Geor" typeface="Sylfaen"/>
+      </a:minorFont>
+    </a:fontScheme>
+    <a:fmtScheme name="办公室">
+      <a:fillStyleLst>
+        <a:solidFill>
+          <a:schemeClr val="phClr"/>
+        </a:solidFill>
+        <a:gradFill rotWithShape="1">
+          <a:gsLst>
+            <a:gs pos="0">
+              <a:schemeClr val="phClr">
+                <a:tint val="50000"/>
+                <a:satMod val="300000"/>
+              </a:schemeClr>
+            </a:gs>
+            <a:gs pos="35000">
+              <a:schemeClr val="phClr">
+                <a:tint val="37000"/>
+                <a:satMod val="300000"/>
+              </a:schemeClr>
+            </a:gs>
+            <a:gs pos="100000">
+              <a:schemeClr val="phClr">
+                <a:tint val="15000"/>
+                <a:satMod val="350000"/>
+              </a:schemeClr>
+            </a:gs>
+          </a:gsLst>
+          <a:lin ang="16200000" scaled="1"/>
+        </a:gradFill>
+        <a:gradFill rotWithShape="1">
+          <a:gsLst>
+            <a:gs pos="0">
+              <a:schemeClr val="phClr">
+                <a:tint val="100000"/>
+                <a:shade val="100000"/>
+                <a:satMod val="130000"/>
+              </a:schemeClr>
+            </a:gs>
+            <a:gs pos="100000">
+              <a:schemeClr val="phClr">
+                <a:tint val="50000"/>
+                <a:shade val="100000"/>
+                <a:satMod val="350000"/>
+              </a:schemeClr>
+            </a:gs>
+          </a:gsLst>
+          <a:lin ang="16200000" scaled="0"/>
+        </a:gradFill>
+      </a:fillStyleLst>
+      <a:lnStyleLst>
+        <a:ln w="9525" cap="flat" cmpd="sng" algn="ctr">
+          <a:solidFill>
+            <a:schemeClr val="phClr">
+              <a:shade val="95000"/>
+              <a:satMod val="105000"/>
+            </a:schemeClr>
+          </a:solidFill>
+          <a:prstDash val="solid"/>
+        </a:ln>
+        <a:ln w="25400" cap="flat" cmpd="sng" algn="ctr">
+          <a:solidFill>
+            <a:schemeClr val="phClr"/>
+          </a:solidFill>
+          <a:prstDash val="solid"/>
+        </a:ln>
+        <a:ln w="38100" cap="flat" cmpd="sng" algn="ctr">
+          <a:solidFill>
+            <a:schemeClr val="phClr"/>
+          </a:solidFill>
+          <a:prstDash val="solid"/>
+        </a:ln>
+      </a:lnStyleLst>
+      <a:effectStyleLst>
+        <a:effectStyle>
+          <a:effectLst>
+            <a:outerShdw blurRad="40000" dist="20000" dir="5400000" rotWithShape="0">
+              <a:srgbClr val="000000">
+                <a:alpha val="38000"/>
+              </a:srgbClr>
+            </a:outerShdw>
+          </a:effectLst>
+        </a:effectStyle>
+        <a:effectStyle>
+          <a:effectLst>
+            <a:outerShdw blurRad="40000" dist="23000" dir="5400000" rotWithShape="0">
+              <a:srgbClr val="000000">
+                <a:alpha val="35000"/>
+              </a:srgbClr>
+            </a:outerShdw>
+          </a:effectLst>
+        </a:effectStyle>
+        <a:effectStyle>
+          <a:effectLst>
+            <a:outerShdw blurRad="40000" dist="23000" dir="5400000" rotWithShape="0">
+              <a:srgbClr val="000000">
+                <a:alpha val="35000"/>
+              </a:srgbClr>
+            </a:outerShdw>
+          </a:effectLst>
+          <a:scene3d>
+            <a:camera prst="orthographicFront">
+              <a:rot lat="0" lon="0" rev="0"/>
+            </a:camera>
+            <a:lightRig rig="threePt" dir="t">
+              <a:rot lat="0" lon="0" rev="1200000"/>
+            </a:lightRig>
+          </a:scene3d>
+          <a:sp3d>
+            <a:bevelT w="63500" h="25400"/>
+          </a:sp3d>
+        </a:effectStyle>
+      </a:effectStyleLst>
+      <a:bgFillStyleLst>
+        <a:solidFill>
+          <a:schemeClr val="phClr"/>
+        </a:solidFill>
+        <a:gradFill rotWithShape="1">
+          <a:gsLst>
+            <a:gs pos="0">
+              <a:schemeClr val="phClr">
+                <a:tint val="40000"/>
+                <a:satMod val="350000"/>
+              </a:schemeClr>
+            </a:gs>
+            <a:gs pos="40000">
+              <a:schemeClr val="phClr">
+                <a:tint val="45000"/>
+                <a:shade val="99000"/>
+                <a:satMod val="350000"/>
+              </a:schemeClr>
+            </a:gs>
+            <a:gs pos="100000">
+              <a:schemeClr val="phClr">
+                <a:shade val="20000"/>
+                <a:satMod val="255000"/>
+              </a:schemeClr>
+            </a:gs>
+          </a:gsLst>
+          <a:path path="circle">
+            <a:fillToRect l="50000" t="-80000" r="50000" b="180000"/>
+          </a:path>
+        </a:gradFill>
+        <a:gradFill rotWithShape="1">
+          <a:gsLst>
+            <a:gs pos="0">
+              <a:schemeClr val="phClr">
+                <a:tint val="80000"/>
+                <a:satMod val="300000"/>
+              </a:schemeClr>
+            </a:gs>
+            <a:gs pos="100000">
+              <a:schemeClr val="phClr">
+                <a:shade val="30000"/>
+                <a:satMod val="200000"/>
+              </a:schemeClr>
+            </a:gs>
+          </a:gsLst>
+          <a:path path="circle">
+            <a:fillToRect l="50000" t="50000" r="50000" b="50000"/>
+          </a:path>
+        </a:gradFill>
+      </a:bgFillStyleLst>
+    </a:fmtScheme>
+  </a:themeElements>
+  <a:objectDefaults>
+    <a:spDef>
+      <a:spPr/>
+      <a:bodyPr/>
+      <a:lstStyle/>
+      <a:style>
+        <a:lnRef idx="1">
+          <a:schemeClr val="accent1"/>
+        </a:lnRef>
+        <a:fillRef idx="3">
+          <a:schemeClr val="accent1"/>
+        </a:fillRef>
+        <a:effectRef idx="2">
+          <a:schemeClr val="accent1"/>
+        </a:effectRef>
+        <a:fontRef idx="minor">
+          <a:schemeClr val="lt1"/>
+        </a:fontRef>
+      </a:style>
+    </a:spDef>
+    <a:lnDef>
+      <a:spPr/>
+      <a:bodyPr/>
+      <a:lstStyle/>
+      <a:style>
+        <a:lnRef idx="2">
+          <a:schemeClr val="accent1"/>
+        </a:lnRef>
+        <a:fillRef idx="0">
+          <a:schemeClr val="accent1"/>
+        </a:fillRef>
+        <a:effectRef idx="1">
+          <a:schemeClr val="accent1"/>
+        </a:effectRef>
+        <a:fontRef idx="minor">
+          <a:schemeClr val="tx1"/>
+        </a:fontRef>
+      </a:style>
+    </a:lnDef>
+  </a:objectDefaults>
+  <a:extraClrSchemeLst/>
+</a:theme>
 </file>
--- a/asset/preso.pptx
+++ b/asset/preso.pptx
@@ -6354,19 +6354,7 @@
               <a:rPr kumimoji="1" lang="en-US" altLang="zh-CN" sz="2000" dirty="0" smtClean="0">
                 <a:hlinkClick r:id="rId2"/>
               </a:rPr>
-              <a:t>http://</a:t>
-            </a:r>
-            <a:r>
-              <a:rPr kumimoji="1" lang="en-US" altLang="zh-CN" sz="2000" dirty="0" smtClean="0">
-                <a:hlinkClick r:id="rId2"/>
-              </a:rPr>
-              <a:t>dachicj.com/ChicagoCensusVisualization</a:t>
-            </a:r>
-            <a:r>
-              <a:rPr kumimoji="1" lang="en-US" altLang="zh-CN" sz="2000" dirty="0" smtClean="0">
-                <a:hlinkClick r:id="rId2"/>
-              </a:rPr>
-              <a:t>/</a:t>
+              <a:t>http://dachicj.com/ChicagoCensusVisualization/</a:t>
             </a:r>
             <a:endParaRPr kumimoji="1" lang="en-US" altLang="zh-CN" sz="2000" dirty="0" smtClean="0"/>
           </a:p>
@@ -6979,11 +6967,7 @@
             </a:r>
             <a:r>
               <a:rPr kumimoji="1" lang="en-US" altLang="zh-CN" dirty="0" smtClean="0"/>
-              <a:t>”</a:t>
-            </a:r>
-            <a:r>
-              <a:rPr kumimoji="1" lang="en-US" altLang="zh-CN" dirty="0" smtClean="0"/>
-              <a:t>, </a:t>
+              <a:t>”, </a:t>
             </a:r>
             <a:r>
               <a:rPr kumimoji="1" lang="en-US" altLang="zh-CN" dirty="0" err="1"/>
@@ -6995,19 +6979,7 @@
             </a:r>
             <a:r>
               <a:rPr kumimoji="1" lang="en-US" altLang="zh-CN" dirty="0" smtClean="0"/>
-              <a:t>“</a:t>
-            </a:r>
-            <a:r>
-              <a:rPr kumimoji="1" lang="en-US" altLang="zh-CN" dirty="0" smtClean="0"/>
-              <a:t>showcase</a:t>
-            </a:r>
-            <a:r>
-              <a:rPr kumimoji="1" lang="en-US" altLang="zh-CN" dirty="0" smtClean="0"/>
-              <a:t>”</a:t>
-            </a:r>
-            <a:r>
-              <a:rPr kumimoji="1" lang="en-US" altLang="zh-CN" dirty="0" smtClean="0"/>
-              <a:t>)</a:t>
+              <a:t>“showcase”)</a:t>
             </a:r>
             <a:endParaRPr kumimoji="1" lang="en-US" altLang="zh-CN" dirty="0"/>
           </a:p>

--- a/asset/preso.pptx
+++ b/asset/preso.pptx
@@ -5,12 +5,13 @@
     <p:sldMasterId id="2147483684" r:id="rId1"/>
   </p:sldMasterIdLst>
   <p:notesMasterIdLst>
-    <p:notesMasterId r:id="rId5"/>
+    <p:notesMasterId r:id="rId6"/>
   </p:notesMasterIdLst>
   <p:sldIdLst>
     <p:sldId id="256" r:id="rId2"/>
     <p:sldId id="257" r:id="rId3"/>
     <p:sldId id="258" r:id="rId4"/>
+    <p:sldId id="259" r:id="rId5"/>
   </p:sldIdLst>
   <p:sldSz cx="12192000" cy="6858000"/>
   <p:notesSz cx="6858000" cy="9144000"/>
@@ -7118,6 +7119,353 @@
       </p:par>
     </p:tnLst>
   </p:timing>
+</p:sld>
+</file>
+
+<file path=ppt/slides/slide4.xml><?xml version="1.0" encoding="utf-8"?>
+<p:sld xmlns:a="http://schemas.openxmlformats.org/drawingml/2006/main" xmlns:r="http://schemas.openxmlformats.org/officeDocument/2006/relationships" xmlns:p="http://schemas.openxmlformats.org/presentationml/2006/main">
+  <p:cSld>
+    <p:spTree>
+      <p:nvGrpSpPr>
+        <p:cNvPr id="1" name=""/>
+        <p:cNvGrpSpPr/>
+        <p:nvPr/>
+      </p:nvGrpSpPr>
+      <p:grpSpPr>
+        <a:xfrm>
+          <a:off x="0" y="0"/>
+          <a:ext cx="0" cy="0"/>
+          <a:chOff x="0" y="0"/>
+          <a:chExt cx="0" cy="0"/>
+        </a:xfrm>
+      </p:grpSpPr>
+      <p:sp>
+        <p:nvSpPr>
+          <p:cNvPr id="5" name="日期占位符 4"/>
+          <p:cNvSpPr>
+            <a:spLocks noGrp="1"/>
+          </p:cNvSpPr>
+          <p:nvPr>
+            <p:ph type="dt" sz="half" idx="10"/>
+          </p:nvPr>
+        </p:nvSpPr>
+        <p:spPr/>
+        <p:txBody>
+          <a:bodyPr/>
+          <a:lstStyle/>
+          <a:p>
+            <a:fld id="{CBCBD025-87FD-0241-920F-BB0D8937BC81}" type="datetime1">
+              <a:rPr lang="zh-CN" altLang="en-US"/>
+              <a:pPr/>
+              <a:t>16/3/6</a:t>
+            </a:fld>
+            <a:endParaRPr lang="zh-CN" altLang="en-US" sz="1800">
+              <a:solidFill>
+                <a:schemeClr val="tx1"/>
+              </a:solidFill>
+            </a:endParaRPr>
+          </a:p>
+        </p:txBody>
+      </p:sp>
+      <p:sp>
+        <p:nvSpPr>
+          <p:cNvPr id="5122" name="Rectangle 2"/>
+          <p:cNvSpPr>
+            <a:spLocks noGrp="1" noChangeArrowheads="1"/>
+          </p:cNvSpPr>
+          <p:nvPr>
+            <p:ph type="title"/>
+          </p:nvPr>
+        </p:nvSpPr>
+        <p:spPr/>
+        <p:txBody>
+          <a:bodyPr/>
+          <a:lstStyle/>
+          <a:p>
+            <a:r>
+              <a:rPr lang="zh-CN" altLang="en-US">
+                <a:ea typeface="SimSun" charset="-122"/>
+              </a:rPr>
+              <a:t>Summary</a:t>
+            </a:r>
+            <a:endParaRPr lang="zh-CN" altLang="en-US"/>
+          </a:p>
+        </p:txBody>
+      </p:sp>
+      <p:sp>
+        <p:nvSpPr>
+          <p:cNvPr id="5123" name="Rectangle 3"/>
+          <p:cNvSpPr>
+            <a:spLocks noGrp="1" noChangeArrowheads="1"/>
+          </p:cNvSpPr>
+          <p:nvPr>
+            <p:ph type="body" sz="half" idx="1"/>
+          </p:nvPr>
+        </p:nvSpPr>
+        <p:spPr>
+          <a:xfrm>
+            <a:off x="1069975" y="2120900"/>
+            <a:ext cx="4937125" cy="4051300"/>
+          </a:xfrm>
+        </p:spPr>
+        <p:txBody>
+          <a:bodyPr/>
+          <a:lstStyle/>
+          <a:p>
+            <a:pPr marL="0" indent="0">
+              <a:lnSpc>
+                <a:spcPct val="70000"/>
+              </a:lnSpc>
+              <a:buFont typeface="Wingdings" charset="2"/>
+              <a:buNone/>
+            </a:pPr>
+            <a:r>
+              <a:rPr lang="zh-CN" altLang="zh-CN" b="1" dirty="0"/>
+              <a:t>Clustering 1,2,3(Urbanities</a:t>
+            </a:r>
+            <a:r>
+              <a:rPr lang="zh-CN" altLang="zh-CN" dirty="0">
+                <a:ea typeface="SimSun" charset="-122"/>
+              </a:rPr>
+              <a:t>)</a:t>
+            </a:r>
+            <a:r>
+              <a:rPr lang="zh-CN" altLang="zh-CN" b="1" dirty="0"/>
+              <a:t>: </a:t>
+            </a:r>
+            <a:endParaRPr lang="zh-CN" altLang="zh-CN" dirty="0"/>
+          </a:p>
+          <a:p>
+            <a:pPr>
+              <a:lnSpc>
+                <a:spcPct val="70000"/>
+              </a:lnSpc>
+            </a:pPr>
+            <a:r>
+              <a:rPr lang="zh-CN" altLang="zh-CN" dirty="0"/>
+              <a:t>increasing income in 25-50k</a:t>
+            </a:r>
+          </a:p>
+          <a:p>
+            <a:pPr>
+              <a:lnSpc>
+                <a:spcPct val="70000"/>
+              </a:lnSpc>
+            </a:pPr>
+            <a:r>
+              <a:rPr lang="zh-CN" altLang="zh-CN" dirty="0"/>
+              <a:t>well educated </a:t>
+            </a:r>
+          </a:p>
+          <a:p>
+            <a:pPr>
+              <a:lnSpc>
+                <a:spcPct val="70000"/>
+              </a:lnSpc>
+            </a:pPr>
+            <a:r>
+              <a:rPr lang="zh-CN" altLang="zh-CN" dirty="0"/>
+              <a:t>lincoln park, hyde park, lake view, west loop.</a:t>
+            </a:r>
+          </a:p>
+          <a:p>
+            <a:pPr>
+              <a:lnSpc>
+                <a:spcPct val="70000"/>
+              </a:lnSpc>
+            </a:pPr>
+            <a:endParaRPr lang="zh-CN" altLang="zh-CN" dirty="0"/>
+          </a:p>
+          <a:p>
+            <a:pPr marL="0" indent="0">
+              <a:buFont typeface="Wingdings" charset="2"/>
+              <a:buNone/>
+            </a:pPr>
+            <a:r>
+              <a:rPr lang="zh-CN" altLang="zh-CN" b="1" dirty="0"/>
+              <a:t>Clustering 4</a:t>
+            </a:r>
+            <a:r>
+              <a:rPr lang="zh-CN" altLang="zh-CN" b="1" dirty="0">
+                <a:ea typeface="SimSun" charset="-122"/>
+              </a:rPr>
+              <a:t>(Middle Class)</a:t>
+            </a:r>
+            <a:r>
+              <a:rPr lang="zh-CN" altLang="zh-CN" b="1" dirty="0"/>
+              <a:t>:</a:t>
+            </a:r>
+          </a:p>
+          <a:p>
+            <a:r>
+              <a:rPr lang="zh-CN" altLang="zh-CN" dirty="0"/>
+              <a:t>similar to Clustering 1,2,3</a:t>
+            </a:r>
+          </a:p>
+          <a:p>
+            <a:r>
+              <a:rPr lang="zh-CN" altLang="zh-CN" dirty="0">
+                <a:ea typeface="SimSun" charset="-122"/>
+              </a:rPr>
+              <a:t>increasing income in 50-75k</a:t>
+            </a:r>
+            <a:endParaRPr lang="zh-CN" altLang="zh-CN" dirty="0"/>
+          </a:p>
+          <a:p>
+            <a:r>
+              <a:rPr lang="zh-CN" altLang="zh-CN" dirty="0">
+                <a:ea typeface="SimSun" charset="-122"/>
+              </a:rPr>
+              <a:t>S</a:t>
+            </a:r>
+            <a:r>
+              <a:rPr lang="zh-CN" altLang="zh-CN" dirty="0"/>
+              <a:t>uburban</a:t>
+            </a:r>
+            <a:r>
+              <a:rPr lang="zh-CN" altLang="zh-CN" dirty="0">
+                <a:ea typeface="SimSun" charset="-122"/>
+              </a:rPr>
+              <a:t> area</a:t>
+            </a:r>
+            <a:endParaRPr lang="zh-CN" altLang="zh-CN" dirty="0"/>
+          </a:p>
+          <a:p>
+            <a:endParaRPr lang="zh-CN" altLang="zh-CN" b="1" dirty="0"/>
+          </a:p>
+        </p:txBody>
+      </p:sp>
+      <p:sp>
+        <p:nvSpPr>
+          <p:cNvPr id="5124" name="Rectangle 4"/>
+          <p:cNvSpPr>
+            <a:spLocks noGrp="1" noChangeArrowheads="1"/>
+          </p:cNvSpPr>
+          <p:nvPr>
+            <p:ph type="body" sz="half" idx="2"/>
+          </p:nvPr>
+        </p:nvSpPr>
+        <p:spPr>
+          <a:xfrm>
+            <a:off x="6194425" y="2095500"/>
+            <a:ext cx="4935538" cy="3675063"/>
+          </a:xfrm>
+        </p:spPr>
+        <p:txBody>
+          <a:bodyPr/>
+          <a:lstStyle/>
+          <a:p>
+            <a:pPr marL="0" indent="0">
+              <a:buFont typeface="Wingdings" charset="2"/>
+              <a:buNone/>
+            </a:pPr>
+            <a:endParaRPr lang="zh-CN" altLang="zh-CN" b="1" dirty="0"/>
+          </a:p>
+          <a:p>
+            <a:pPr marL="0" indent="0">
+              <a:lnSpc>
+                <a:spcPct val="70000"/>
+              </a:lnSpc>
+              <a:buFont typeface="Wingdings" charset="2"/>
+              <a:buNone/>
+            </a:pPr>
+            <a:endParaRPr lang="zh-CN" altLang="zh-CN" b="1" dirty="0"/>
+          </a:p>
+          <a:p>
+            <a:pPr marL="0" indent="0">
+              <a:lnSpc>
+                <a:spcPct val="70000"/>
+              </a:lnSpc>
+              <a:buFont typeface="Wingdings" charset="2"/>
+              <a:buNone/>
+            </a:pPr>
+            <a:r>
+              <a:rPr lang="zh-CN" altLang="zh-CN" b="1" dirty="0"/>
+              <a:t>Clustering 5,6,7,8</a:t>
+            </a:r>
+            <a:r>
+              <a:rPr lang="zh-CN" altLang="zh-CN" b="1" dirty="0">
+                <a:ea typeface="SimSun" charset="-122"/>
+              </a:rPr>
+              <a:t>(Wealth)</a:t>
+            </a:r>
+            <a:r>
+              <a:rPr lang="zh-CN" altLang="zh-CN" b="1" dirty="0"/>
+              <a:t>:</a:t>
+            </a:r>
+          </a:p>
+          <a:p>
+            <a:pPr>
+              <a:lnSpc>
+                <a:spcPct val="70000"/>
+              </a:lnSpc>
+            </a:pPr>
+            <a:r>
+              <a:rPr lang="zh-CN" altLang="zh-CN" dirty="0"/>
+              <a:t>Stable communities </a:t>
+            </a:r>
+          </a:p>
+          <a:p>
+            <a:pPr>
+              <a:lnSpc>
+                <a:spcPct val="70000"/>
+              </a:lnSpc>
+            </a:pPr>
+            <a:r>
+              <a:rPr lang="zh-CN" altLang="zh-CN" dirty="0"/>
+              <a:t>low change </a:t>
+            </a:r>
+            <a:r>
+              <a:rPr lang="zh-CN" altLang="zh-CN" dirty="0">
+                <a:ea typeface="SimSun" charset="-122"/>
+              </a:rPr>
+              <a:t>in </a:t>
+            </a:r>
+            <a:r>
+              <a:rPr lang="zh-CN" altLang="zh-CN" dirty="0"/>
+              <a:t>income</a:t>
+            </a:r>
+          </a:p>
+          <a:p>
+            <a:pPr>
+              <a:lnSpc>
+                <a:spcPct val="70000"/>
+              </a:lnSpc>
+            </a:pPr>
+            <a:r>
+              <a:rPr lang="zh-CN" altLang="zh-CN" dirty="0">
+                <a:ea typeface="SimSun" charset="-122"/>
+              </a:rPr>
+              <a:t>low change in </a:t>
+            </a:r>
+            <a:r>
+              <a:rPr lang="zh-CN" altLang="zh-CN" dirty="0"/>
+              <a:t>vacant unit</a:t>
+            </a:r>
+          </a:p>
+          <a:p>
+            <a:pPr>
+              <a:lnSpc>
+                <a:spcPct val="70000"/>
+              </a:lnSpc>
+            </a:pPr>
+            <a:r>
+              <a:rPr lang="zh-CN" altLang="zh-CN" dirty="0"/>
+              <a:t>Coast or suburban area</a:t>
+            </a:r>
+          </a:p>
+        </p:txBody>
+      </p:sp>
+    </p:spTree>
+    <p:extLst>
+      <p:ext uri="{BB962C8B-B14F-4D97-AF65-F5344CB8AC3E}">
+        <p14:creationId xmlns:p14="http://schemas.microsoft.com/office/powerpoint/2010/main" val="73785036"/>
+      </p:ext>
+    </p:extLst>
+  </p:cSld>
+  <p:clrMapOvr>
+    <a:masterClrMapping/>
+  </p:clrMapOvr>
 </p:sld>
 </file>
 

--- a/asset/preso.pptx
+++ b/asset/preso.pptx
@@ -5,13 +5,14 @@
     <p:sldMasterId id="2147483684" r:id="rId1"/>
   </p:sldMasterIdLst>
   <p:notesMasterIdLst>
-    <p:notesMasterId r:id="rId6"/>
+    <p:notesMasterId r:id="rId7"/>
   </p:notesMasterIdLst>
   <p:sldIdLst>
     <p:sldId id="256" r:id="rId2"/>
     <p:sldId id="257" r:id="rId3"/>
-    <p:sldId id="258" r:id="rId4"/>
-    <p:sldId id="259" r:id="rId5"/>
+    <p:sldId id="260" r:id="rId4"/>
+    <p:sldId id="258" r:id="rId5"/>
+    <p:sldId id="259" r:id="rId6"/>
   </p:sldIdLst>
   <p:sldSz cx="12192000" cy="6858000"/>
   <p:notesSz cx="6858000" cy="9144000"/>
@@ -625,6 +626,973 @@
               <a:defRPr/>
             </a:pPr>
             <a:r>
+              <a:rPr lang="fr-FR" altLang="zh-CN" sz="1200" dirty="0" smtClean="0">
+                <a:solidFill>
+                  <a:schemeClr val="accent1">
+                    <a:lumMod val="75000"/>
+                  </a:schemeClr>
+                </a:solidFill>
+              </a:rPr>
+              <a:t>The Cook </a:t>
+            </a:r>
+            <a:r>
+              <a:rPr lang="fr-FR" altLang="zh-CN" sz="1200" dirty="0" err="1" smtClean="0">
+                <a:solidFill>
+                  <a:schemeClr val="accent1">
+                    <a:lumMod val="75000"/>
+                  </a:schemeClr>
+                </a:solidFill>
+              </a:rPr>
+              <a:t>county</a:t>
+            </a:r>
+            <a:r>
+              <a:rPr lang="fr-FR" altLang="zh-CN" sz="1200" dirty="0" smtClean="0">
+                <a:solidFill>
+                  <a:schemeClr val="accent1">
+                    <a:lumMod val="75000"/>
+                  </a:schemeClr>
+                </a:solidFill>
+              </a:rPr>
+              <a:t> </a:t>
+            </a:r>
+            <a:r>
+              <a:rPr lang="fr-FR" altLang="zh-CN" sz="1200" dirty="0" err="1" smtClean="0">
+                <a:solidFill>
+                  <a:schemeClr val="accent1">
+                    <a:lumMod val="75000"/>
+                  </a:schemeClr>
+                </a:solidFill>
+              </a:rPr>
+              <a:t>project</a:t>
+            </a:r>
+            <a:r>
+              <a:rPr lang="fr-FR" altLang="zh-CN" sz="1200" dirty="0" smtClean="0">
+                <a:solidFill>
+                  <a:schemeClr val="accent1">
+                    <a:lumMod val="75000"/>
+                  </a:schemeClr>
+                </a:solidFill>
+              </a:rPr>
+              <a:t> </a:t>
+            </a:r>
+            <a:r>
+              <a:rPr lang="fr-FR" altLang="zh-CN" sz="1200" dirty="0" err="1" smtClean="0">
+                <a:solidFill>
+                  <a:schemeClr val="accent1">
+                    <a:lumMod val="75000"/>
+                  </a:schemeClr>
+                </a:solidFill>
+              </a:rPr>
+              <a:t>is</a:t>
+            </a:r>
+            <a:r>
+              <a:rPr lang="fr-FR" altLang="zh-CN" sz="1200" dirty="0" smtClean="0">
+                <a:solidFill>
+                  <a:schemeClr val="accent1">
+                    <a:lumMod val="75000"/>
+                  </a:schemeClr>
+                </a:solidFill>
+              </a:rPr>
+              <a:t> a </a:t>
+            </a:r>
+            <a:r>
+              <a:rPr lang="fr-FR" altLang="zh-CN" sz="1200" dirty="0" err="1" smtClean="0">
+                <a:solidFill>
+                  <a:schemeClr val="accent1">
+                    <a:lumMod val="75000"/>
+                  </a:schemeClr>
+                </a:solidFill>
+              </a:rPr>
+              <a:t>study</a:t>
+            </a:r>
+            <a:r>
+              <a:rPr lang="fr-FR" altLang="zh-CN" sz="1200" dirty="0" smtClean="0">
+                <a:solidFill>
+                  <a:schemeClr val="accent1">
+                    <a:lumMod val="75000"/>
+                  </a:schemeClr>
+                </a:solidFill>
+              </a:rPr>
+              <a:t> of the social changes </a:t>
+            </a:r>
+            <a:r>
+              <a:rPr lang="fr-FR" altLang="zh-CN" sz="1200" dirty="0" err="1" smtClean="0">
+                <a:solidFill>
+                  <a:schemeClr val="accent1">
+                    <a:lumMod val="75000"/>
+                  </a:schemeClr>
+                </a:solidFill>
+              </a:rPr>
+              <a:t>that</a:t>
+            </a:r>
+            <a:r>
+              <a:rPr lang="fr-FR" altLang="zh-CN" sz="1200" dirty="0" smtClean="0">
+                <a:solidFill>
+                  <a:schemeClr val="accent1">
+                    <a:lumMod val="75000"/>
+                  </a:schemeClr>
+                </a:solidFill>
+              </a:rPr>
+              <a:t> </a:t>
+            </a:r>
+            <a:r>
+              <a:rPr lang="fr-FR" altLang="zh-CN" sz="1200" dirty="0" err="1" smtClean="0">
+                <a:solidFill>
+                  <a:schemeClr val="accent1">
+                    <a:lumMod val="75000"/>
+                  </a:schemeClr>
+                </a:solidFill>
+              </a:rPr>
+              <a:t>occured</a:t>
+            </a:r>
+            <a:r>
+              <a:rPr lang="fr-FR" altLang="zh-CN" sz="1200" dirty="0" smtClean="0">
+                <a:solidFill>
+                  <a:schemeClr val="accent1">
+                    <a:lumMod val="75000"/>
+                  </a:schemeClr>
+                </a:solidFill>
+              </a:rPr>
+              <a:t> in </a:t>
+            </a:r>
+            <a:r>
+              <a:rPr lang="fr-FR" altLang="zh-CN" sz="1200" dirty="0" err="1" smtClean="0">
+                <a:solidFill>
+                  <a:schemeClr val="accent1">
+                    <a:lumMod val="75000"/>
+                  </a:schemeClr>
+                </a:solidFill>
+              </a:rPr>
+              <a:t>cook</a:t>
+            </a:r>
+            <a:r>
+              <a:rPr lang="fr-FR" altLang="zh-CN" sz="1200" dirty="0" smtClean="0">
+                <a:solidFill>
+                  <a:schemeClr val="accent1">
+                    <a:lumMod val="75000"/>
+                  </a:schemeClr>
+                </a:solidFill>
+              </a:rPr>
+              <a:t> </a:t>
+            </a:r>
+            <a:r>
+              <a:rPr lang="fr-FR" altLang="zh-CN" sz="1200" dirty="0" err="1" smtClean="0">
+                <a:solidFill>
+                  <a:schemeClr val="accent1">
+                    <a:lumMod val="75000"/>
+                  </a:schemeClr>
+                </a:solidFill>
+              </a:rPr>
+              <a:t>county</a:t>
+            </a:r>
+            <a:r>
+              <a:rPr lang="fr-FR" altLang="zh-CN" sz="1200" dirty="0" smtClean="0">
+                <a:solidFill>
+                  <a:schemeClr val="accent1">
+                    <a:lumMod val="75000"/>
+                  </a:schemeClr>
+                </a:solidFill>
+              </a:rPr>
+              <a:t> over the </a:t>
+            </a:r>
+            <a:r>
+              <a:rPr lang="fr-FR" altLang="zh-CN" sz="1200" dirty="0" err="1" smtClean="0">
+                <a:solidFill>
+                  <a:schemeClr val="accent1">
+                    <a:lumMod val="75000"/>
+                  </a:schemeClr>
+                </a:solidFill>
+              </a:rPr>
+              <a:t>past</a:t>
+            </a:r>
+            <a:r>
+              <a:rPr lang="fr-FR" altLang="zh-CN" sz="1200" dirty="0" smtClean="0">
+                <a:solidFill>
+                  <a:schemeClr val="accent1">
+                    <a:lumMod val="75000"/>
+                  </a:schemeClr>
+                </a:solidFill>
+              </a:rPr>
+              <a:t> 13 </a:t>
+            </a:r>
+            <a:r>
+              <a:rPr lang="fr-FR" altLang="zh-CN" sz="1200" dirty="0" err="1" smtClean="0">
+                <a:solidFill>
+                  <a:schemeClr val="accent1">
+                    <a:lumMod val="75000"/>
+                  </a:schemeClr>
+                </a:solidFill>
+              </a:rPr>
+              <a:t>years</a:t>
+            </a:r>
+            <a:r>
+              <a:rPr lang="fr-FR" altLang="zh-CN" sz="1200" dirty="0" smtClean="0">
+                <a:solidFill>
+                  <a:schemeClr val="accent1">
+                    <a:lumMod val="75000"/>
+                  </a:schemeClr>
+                </a:solidFill>
+              </a:rPr>
+              <a:t>. As </a:t>
+            </a:r>
+            <a:r>
+              <a:rPr lang="fr-FR" altLang="zh-CN" sz="1200" dirty="0" err="1" smtClean="0">
+                <a:solidFill>
+                  <a:schemeClr val="accent1">
+                    <a:lumMod val="75000"/>
+                  </a:schemeClr>
+                </a:solidFill>
+              </a:rPr>
+              <a:t>we</a:t>
+            </a:r>
+            <a:r>
+              <a:rPr lang="fr-FR" altLang="zh-CN" sz="1200" dirty="0" smtClean="0">
+                <a:solidFill>
+                  <a:schemeClr val="accent1">
+                    <a:lumMod val="75000"/>
+                  </a:schemeClr>
+                </a:solidFill>
+              </a:rPr>
+              <a:t> </a:t>
+            </a:r>
+            <a:r>
+              <a:rPr lang="fr-FR" altLang="zh-CN" sz="1200" dirty="0" err="1" smtClean="0">
+                <a:solidFill>
+                  <a:schemeClr val="accent1">
+                    <a:lumMod val="75000"/>
+                  </a:schemeClr>
+                </a:solidFill>
+              </a:rPr>
+              <a:t>can</a:t>
+            </a:r>
+            <a:r>
+              <a:rPr lang="fr-FR" altLang="zh-CN" sz="1200" dirty="0" smtClean="0">
+                <a:solidFill>
+                  <a:schemeClr val="accent1">
+                    <a:lumMod val="75000"/>
+                  </a:schemeClr>
+                </a:solidFill>
+              </a:rPr>
+              <a:t> </a:t>
+            </a:r>
+            <a:r>
+              <a:rPr lang="fr-FR" altLang="zh-CN" sz="1200" dirty="0" err="1" smtClean="0">
+                <a:solidFill>
+                  <a:schemeClr val="accent1">
+                    <a:lumMod val="75000"/>
+                  </a:schemeClr>
+                </a:solidFill>
+              </a:rPr>
+              <a:t>see</a:t>
+            </a:r>
+            <a:r>
+              <a:rPr lang="fr-FR" altLang="zh-CN" sz="1200" dirty="0" smtClean="0">
+                <a:solidFill>
+                  <a:schemeClr val="accent1">
+                    <a:lumMod val="75000"/>
+                  </a:schemeClr>
+                </a:solidFill>
+              </a:rPr>
+              <a:t> </a:t>
+            </a:r>
+            <a:r>
+              <a:rPr lang="fr-FR" altLang="zh-CN" sz="1200" dirty="0" err="1" smtClean="0">
+                <a:solidFill>
+                  <a:schemeClr val="accent1">
+                    <a:lumMod val="75000"/>
+                  </a:schemeClr>
+                </a:solidFill>
+              </a:rPr>
+              <a:t>from</a:t>
+            </a:r>
+            <a:r>
+              <a:rPr lang="fr-FR" altLang="zh-CN" sz="1200" dirty="0" smtClean="0">
+                <a:solidFill>
+                  <a:schemeClr val="accent1">
+                    <a:lumMod val="75000"/>
+                  </a:schemeClr>
+                </a:solidFill>
+              </a:rPr>
+              <a:t> the </a:t>
+            </a:r>
+            <a:r>
+              <a:rPr lang="fr-FR" altLang="zh-CN" sz="1200" dirty="0" err="1" smtClean="0">
+                <a:solidFill>
+                  <a:schemeClr val="accent1">
+                    <a:lumMod val="75000"/>
+                  </a:schemeClr>
+                </a:solidFill>
+              </a:rPr>
+              <a:t>histogram</a:t>
+            </a:r>
+            <a:r>
+              <a:rPr lang="fr-FR" altLang="zh-CN" sz="1200" dirty="0" smtClean="0">
+                <a:solidFill>
+                  <a:schemeClr val="accent1">
+                    <a:lumMod val="75000"/>
+                  </a:schemeClr>
+                </a:solidFill>
+              </a:rPr>
+              <a:t> on the </a:t>
+            </a:r>
+            <a:r>
+              <a:rPr lang="fr-FR" altLang="zh-CN" sz="1200" dirty="0" err="1" smtClean="0">
+                <a:solidFill>
+                  <a:schemeClr val="accent1">
+                    <a:lumMod val="75000"/>
+                  </a:schemeClr>
+                </a:solidFill>
+              </a:rPr>
+              <a:t>left</a:t>
+            </a:r>
+            <a:r>
+              <a:rPr lang="fr-FR" altLang="zh-CN" sz="1200" dirty="0" smtClean="0">
+                <a:solidFill>
+                  <a:schemeClr val="accent1">
+                    <a:lumMod val="75000"/>
+                  </a:schemeClr>
+                </a:solidFill>
+              </a:rPr>
+              <a:t>, the distribution </a:t>
+            </a:r>
+            <a:r>
+              <a:rPr lang="fr-FR" altLang="zh-CN" sz="1200" dirty="0" err="1" smtClean="0">
+                <a:solidFill>
+                  <a:schemeClr val="accent1">
+                    <a:lumMod val="75000"/>
+                  </a:schemeClr>
+                </a:solidFill>
+              </a:rPr>
+              <a:t>is</a:t>
+            </a:r>
+            <a:r>
+              <a:rPr lang="fr-FR" altLang="zh-CN" sz="1200" dirty="0" smtClean="0">
+                <a:solidFill>
+                  <a:schemeClr val="accent1">
+                    <a:lumMod val="75000"/>
+                  </a:schemeClr>
+                </a:solidFill>
+              </a:rPr>
+              <a:t> </a:t>
+            </a:r>
+            <a:r>
+              <a:rPr lang="fr-FR" altLang="zh-CN" sz="1200" dirty="0" err="1" smtClean="0">
+                <a:solidFill>
+                  <a:schemeClr val="accent1">
+                    <a:lumMod val="75000"/>
+                  </a:schemeClr>
+                </a:solidFill>
+              </a:rPr>
+              <a:t>skewed</a:t>
+            </a:r>
+            <a:r>
+              <a:rPr lang="fr-FR" altLang="zh-CN" sz="1200" dirty="0" smtClean="0">
+                <a:solidFill>
+                  <a:schemeClr val="accent1">
+                    <a:lumMod val="75000"/>
+                  </a:schemeClr>
+                </a:solidFill>
+              </a:rPr>
+              <a:t> on the </a:t>
+            </a:r>
+            <a:r>
+              <a:rPr lang="fr-FR" altLang="zh-CN" sz="1200" dirty="0" err="1" smtClean="0">
+                <a:solidFill>
+                  <a:schemeClr val="accent1">
+                    <a:lumMod val="75000"/>
+                  </a:schemeClr>
+                </a:solidFill>
+              </a:rPr>
+              <a:t>left</a:t>
+            </a:r>
+            <a:r>
+              <a:rPr lang="fr-FR" altLang="zh-CN" sz="1200" dirty="0" smtClean="0">
+                <a:solidFill>
+                  <a:schemeClr val="accent1">
+                    <a:lumMod val="75000"/>
+                  </a:schemeClr>
+                </a:solidFill>
+              </a:rPr>
+              <a:t> due to </a:t>
+            </a:r>
+            <a:r>
+              <a:rPr lang="fr-FR" altLang="zh-CN" sz="1200" dirty="0" err="1" smtClean="0">
+                <a:solidFill>
+                  <a:schemeClr val="accent1">
+                    <a:lumMod val="75000"/>
+                  </a:schemeClr>
+                </a:solidFill>
+              </a:rPr>
+              <a:t>very</a:t>
+            </a:r>
+            <a:r>
+              <a:rPr lang="fr-FR" altLang="zh-CN" sz="1200" dirty="0" smtClean="0">
+                <a:solidFill>
+                  <a:schemeClr val="accent1">
+                    <a:lumMod val="75000"/>
+                  </a:schemeClr>
+                </a:solidFill>
+              </a:rPr>
+              <a:t> high </a:t>
+            </a:r>
+            <a:r>
+              <a:rPr lang="fr-FR" altLang="zh-CN" sz="1200" dirty="0" err="1" smtClean="0">
+                <a:solidFill>
+                  <a:schemeClr val="accent1">
+                    <a:lumMod val="75000"/>
+                  </a:schemeClr>
+                </a:solidFill>
+              </a:rPr>
+              <a:t>increase</a:t>
+            </a:r>
+            <a:r>
+              <a:rPr lang="fr-FR" altLang="zh-CN" sz="1200" dirty="0" smtClean="0">
+                <a:solidFill>
+                  <a:schemeClr val="accent1">
+                    <a:lumMod val="75000"/>
+                  </a:schemeClr>
+                </a:solidFill>
+              </a:rPr>
+              <a:t> of population and house </a:t>
+            </a:r>
+            <a:r>
+              <a:rPr lang="fr-FR" altLang="zh-CN" sz="1200" dirty="0" err="1" smtClean="0">
+                <a:solidFill>
+                  <a:schemeClr val="accent1">
+                    <a:lumMod val="75000"/>
+                  </a:schemeClr>
+                </a:solidFill>
+              </a:rPr>
+              <a:t>units</a:t>
+            </a:r>
+            <a:r>
+              <a:rPr lang="fr-FR" altLang="zh-CN" sz="1200" dirty="0" smtClean="0">
+                <a:solidFill>
+                  <a:schemeClr val="accent1">
+                    <a:lumMod val="75000"/>
+                  </a:schemeClr>
+                </a:solidFill>
+              </a:rPr>
+              <a:t>. Four of the </a:t>
+            </a:r>
+            <a:r>
+              <a:rPr lang="fr-FR" altLang="zh-CN" sz="1200" dirty="0" err="1" smtClean="0">
+                <a:solidFill>
+                  <a:schemeClr val="accent1">
+                    <a:lumMod val="75000"/>
+                  </a:schemeClr>
+                </a:solidFill>
+              </a:rPr>
+              <a:t>ten</a:t>
+            </a:r>
+            <a:r>
+              <a:rPr lang="fr-FR" altLang="zh-CN" sz="1200" dirty="0" smtClean="0">
+                <a:solidFill>
+                  <a:schemeClr val="accent1">
+                    <a:lumMod val="75000"/>
+                  </a:schemeClr>
+                </a:solidFill>
+              </a:rPr>
+              <a:t> variables have </a:t>
+            </a:r>
+            <a:r>
+              <a:rPr lang="fr-FR" altLang="zh-CN" sz="1200" dirty="0" err="1" smtClean="0">
+                <a:solidFill>
+                  <a:schemeClr val="accent1">
+                    <a:lumMod val="75000"/>
+                  </a:schemeClr>
+                </a:solidFill>
+              </a:rPr>
+              <a:t>mostly</a:t>
+            </a:r>
+            <a:r>
+              <a:rPr lang="fr-FR" altLang="zh-CN" sz="1200" dirty="0" smtClean="0">
+                <a:solidFill>
+                  <a:schemeClr val="accent1">
+                    <a:lumMod val="75000"/>
+                  </a:schemeClr>
+                </a:solidFill>
+              </a:rPr>
+              <a:t> </a:t>
+            </a:r>
+            <a:r>
+              <a:rPr lang="fr-FR" altLang="zh-CN" sz="1200" dirty="0" err="1" smtClean="0">
+                <a:solidFill>
+                  <a:schemeClr val="accent1">
+                    <a:lumMod val="75000"/>
+                  </a:schemeClr>
+                </a:solidFill>
+              </a:rPr>
+              <a:t>decreased</a:t>
+            </a:r>
+            <a:r>
+              <a:rPr lang="fr-FR" altLang="zh-CN" sz="1200" dirty="0" smtClean="0">
+                <a:solidFill>
+                  <a:schemeClr val="accent1">
+                    <a:lumMod val="75000"/>
+                  </a:schemeClr>
+                </a:solidFill>
+              </a:rPr>
+              <a:t> </a:t>
+            </a:r>
+            <a:r>
+              <a:rPr lang="fr-FR" altLang="zh-CN" sz="1200" dirty="0" err="1" smtClean="0">
+                <a:solidFill>
+                  <a:schemeClr val="accent1">
+                    <a:lumMod val="75000"/>
+                  </a:schemeClr>
+                </a:solidFill>
+              </a:rPr>
+              <a:t>while</a:t>
+            </a:r>
+            <a:r>
+              <a:rPr lang="fr-FR" altLang="zh-CN" sz="1200" dirty="0" smtClean="0">
+                <a:solidFill>
+                  <a:schemeClr val="accent1">
+                    <a:lumMod val="75000"/>
+                  </a:schemeClr>
+                </a:solidFill>
+              </a:rPr>
+              <a:t> the six </a:t>
+            </a:r>
+            <a:r>
+              <a:rPr lang="fr-FR" altLang="zh-CN" sz="1200" dirty="0" err="1" smtClean="0">
+                <a:solidFill>
+                  <a:schemeClr val="accent1">
+                    <a:lumMod val="75000"/>
+                  </a:schemeClr>
+                </a:solidFill>
+              </a:rPr>
+              <a:t>others</a:t>
+            </a:r>
+            <a:r>
+              <a:rPr lang="fr-FR" altLang="zh-CN" sz="1200" dirty="0" smtClean="0">
+                <a:solidFill>
+                  <a:schemeClr val="accent1">
+                    <a:lumMod val="75000"/>
+                  </a:schemeClr>
+                </a:solidFill>
+              </a:rPr>
+              <a:t> have </a:t>
+            </a:r>
+            <a:r>
+              <a:rPr lang="fr-FR" altLang="zh-CN" sz="1200" dirty="0" err="1" smtClean="0">
+                <a:solidFill>
+                  <a:schemeClr val="accent1">
+                    <a:lumMod val="75000"/>
+                  </a:schemeClr>
+                </a:solidFill>
+              </a:rPr>
+              <a:t>sligtly</a:t>
+            </a:r>
+            <a:r>
+              <a:rPr lang="fr-FR" altLang="zh-CN" sz="1200" dirty="0" smtClean="0">
+                <a:solidFill>
+                  <a:schemeClr val="accent1">
+                    <a:lumMod val="75000"/>
+                  </a:schemeClr>
+                </a:solidFill>
+              </a:rPr>
+              <a:t> </a:t>
+            </a:r>
+            <a:r>
+              <a:rPr lang="fr-FR" altLang="zh-CN" sz="1200" dirty="0" err="1" smtClean="0">
+                <a:solidFill>
+                  <a:schemeClr val="accent1">
+                    <a:lumMod val="75000"/>
+                  </a:schemeClr>
+                </a:solidFill>
+              </a:rPr>
+              <a:t>increased</a:t>
+            </a:r>
+            <a:r>
+              <a:rPr lang="fr-FR" altLang="zh-CN" sz="1200" dirty="0" smtClean="0">
+                <a:solidFill>
+                  <a:schemeClr val="accent1">
+                    <a:lumMod val="75000"/>
+                  </a:schemeClr>
+                </a:solidFill>
+              </a:rPr>
+              <a:t>, </a:t>
+            </a:r>
+            <a:r>
+              <a:rPr lang="fr-FR" altLang="zh-CN" sz="1200" dirty="0" err="1" smtClean="0">
+                <a:solidFill>
+                  <a:schemeClr val="accent1">
+                    <a:lumMod val="75000"/>
+                  </a:schemeClr>
+                </a:solidFill>
+              </a:rPr>
+              <a:t>especially</a:t>
+            </a:r>
+            <a:r>
+              <a:rPr lang="fr-FR" altLang="zh-CN" sz="1200" dirty="0" smtClean="0">
+                <a:solidFill>
+                  <a:schemeClr val="accent1">
+                    <a:lumMod val="75000"/>
+                  </a:schemeClr>
+                </a:solidFill>
+              </a:rPr>
+              <a:t> change in </a:t>
+            </a:r>
+            <a:r>
+              <a:rPr lang="fr-FR" altLang="zh-CN" sz="1200" dirty="0" err="1" smtClean="0">
+                <a:solidFill>
+                  <a:schemeClr val="accent1">
+                    <a:lumMod val="75000"/>
+                  </a:schemeClr>
+                </a:solidFill>
+              </a:rPr>
+              <a:t>Incomes</a:t>
+            </a:r>
+            <a:r>
+              <a:rPr lang="fr-FR" altLang="zh-CN" sz="1200" dirty="0" smtClean="0">
+                <a:solidFill>
+                  <a:schemeClr val="accent1">
+                    <a:lumMod val="75000"/>
+                  </a:schemeClr>
+                </a:solidFill>
+              </a:rPr>
+              <a:t>. The </a:t>
+            </a:r>
+            <a:r>
+              <a:rPr lang="fr-FR" altLang="zh-CN" sz="1200" dirty="0" err="1" smtClean="0">
+                <a:solidFill>
+                  <a:schemeClr val="accent1">
+                    <a:lumMod val="75000"/>
+                  </a:schemeClr>
+                </a:solidFill>
+              </a:rPr>
+              <a:t>correlation</a:t>
+            </a:r>
+            <a:r>
+              <a:rPr lang="fr-FR" altLang="zh-CN" sz="1200" dirty="0" smtClean="0">
+                <a:solidFill>
+                  <a:schemeClr val="accent1">
+                    <a:lumMod val="75000"/>
+                  </a:schemeClr>
+                </a:solidFill>
+              </a:rPr>
+              <a:t> matrix shows </a:t>
+            </a:r>
+            <a:r>
+              <a:rPr lang="fr-FR" altLang="zh-CN" sz="1200" dirty="0" err="1" smtClean="0">
+                <a:solidFill>
+                  <a:schemeClr val="accent1">
+                    <a:lumMod val="75000"/>
+                  </a:schemeClr>
+                </a:solidFill>
+              </a:rPr>
+              <a:t>some</a:t>
+            </a:r>
+            <a:r>
+              <a:rPr lang="fr-FR" altLang="zh-CN" sz="1200" dirty="0" smtClean="0">
+                <a:solidFill>
+                  <a:schemeClr val="accent1">
+                    <a:lumMod val="75000"/>
+                  </a:schemeClr>
+                </a:solidFill>
+              </a:rPr>
+              <a:t> </a:t>
+            </a:r>
+            <a:r>
+              <a:rPr lang="fr-FR" altLang="zh-CN" sz="1200" dirty="0" err="1" smtClean="0">
+                <a:solidFill>
+                  <a:schemeClr val="accent1">
+                    <a:lumMod val="75000"/>
+                  </a:schemeClr>
+                </a:solidFill>
+              </a:rPr>
+              <a:t>strong</a:t>
+            </a:r>
+            <a:r>
+              <a:rPr lang="fr-FR" altLang="zh-CN" sz="1200" dirty="0" smtClean="0">
+                <a:solidFill>
+                  <a:schemeClr val="accent1">
+                    <a:lumMod val="75000"/>
+                  </a:schemeClr>
+                </a:solidFill>
+              </a:rPr>
+              <a:t> </a:t>
+            </a:r>
+            <a:r>
+              <a:rPr lang="fr-FR" altLang="zh-CN" sz="1200" dirty="0" err="1" smtClean="0">
+                <a:solidFill>
+                  <a:schemeClr val="accent1">
+                    <a:lumMod val="75000"/>
+                  </a:schemeClr>
+                </a:solidFill>
+              </a:rPr>
+              <a:t>relationships</a:t>
+            </a:r>
+            <a:r>
+              <a:rPr lang="fr-FR" altLang="zh-CN" sz="1200" dirty="0" smtClean="0">
+                <a:solidFill>
+                  <a:schemeClr val="accent1">
+                    <a:lumMod val="75000"/>
+                  </a:schemeClr>
+                </a:solidFill>
+              </a:rPr>
+              <a:t> </a:t>
+            </a:r>
+            <a:r>
+              <a:rPr lang="fr-FR" altLang="zh-CN" sz="1200" dirty="0" err="1" smtClean="0">
+                <a:solidFill>
+                  <a:schemeClr val="accent1">
+                    <a:lumMod val="75000"/>
+                  </a:schemeClr>
+                </a:solidFill>
+              </a:rPr>
+              <a:t>between</a:t>
+            </a:r>
+            <a:r>
+              <a:rPr lang="fr-FR" altLang="zh-CN" sz="1200" dirty="0" smtClean="0">
+                <a:solidFill>
+                  <a:schemeClr val="accent1">
+                    <a:lumMod val="75000"/>
+                  </a:schemeClr>
+                </a:solidFill>
+              </a:rPr>
+              <a:t> population and house </a:t>
+            </a:r>
+            <a:r>
+              <a:rPr lang="fr-FR" altLang="zh-CN" sz="1200" dirty="0" err="1" smtClean="0">
+                <a:solidFill>
+                  <a:schemeClr val="accent1">
+                    <a:lumMod val="75000"/>
+                  </a:schemeClr>
+                </a:solidFill>
+              </a:rPr>
+              <a:t>units</a:t>
+            </a:r>
+            <a:r>
+              <a:rPr lang="fr-FR" altLang="zh-CN" sz="1200" dirty="0" smtClean="0">
+                <a:solidFill>
+                  <a:schemeClr val="accent1">
+                    <a:lumMod val="75000"/>
+                  </a:schemeClr>
+                </a:solidFill>
+              </a:rPr>
+              <a:t> but </a:t>
+            </a:r>
+            <a:r>
+              <a:rPr lang="fr-FR" altLang="zh-CN" sz="1200" dirty="0" err="1" smtClean="0">
+                <a:solidFill>
+                  <a:schemeClr val="accent1">
+                    <a:lumMod val="75000"/>
+                  </a:schemeClr>
+                </a:solidFill>
+              </a:rPr>
+              <a:t>also</a:t>
+            </a:r>
+            <a:r>
+              <a:rPr lang="fr-FR" altLang="zh-CN" sz="1200" dirty="0" smtClean="0">
+                <a:solidFill>
+                  <a:schemeClr val="accent1">
+                    <a:lumMod val="75000"/>
+                  </a:schemeClr>
+                </a:solidFill>
+              </a:rPr>
+              <a:t>  a </a:t>
+            </a:r>
+            <a:r>
+              <a:rPr lang="fr-FR" altLang="zh-CN" sz="1200" dirty="0" err="1" smtClean="0">
+                <a:solidFill>
+                  <a:schemeClr val="accent1">
+                    <a:lumMod val="75000"/>
+                  </a:schemeClr>
+                </a:solidFill>
+              </a:rPr>
+              <a:t>negative</a:t>
+            </a:r>
+            <a:r>
+              <a:rPr lang="fr-FR" altLang="zh-CN" sz="1200" dirty="0" smtClean="0">
+                <a:solidFill>
+                  <a:schemeClr val="accent1">
+                    <a:lumMod val="75000"/>
+                  </a:schemeClr>
+                </a:solidFill>
+              </a:rPr>
+              <a:t> </a:t>
+            </a:r>
+            <a:r>
+              <a:rPr lang="fr-FR" altLang="zh-CN" sz="1200" dirty="0" err="1" smtClean="0">
+                <a:solidFill>
+                  <a:schemeClr val="accent1">
+                    <a:lumMod val="75000"/>
+                  </a:schemeClr>
+                </a:solidFill>
+              </a:rPr>
+              <a:t>correlation</a:t>
+            </a:r>
+            <a:r>
+              <a:rPr lang="fr-FR" altLang="zh-CN" sz="1200" dirty="0" smtClean="0">
+                <a:solidFill>
+                  <a:schemeClr val="accent1">
+                    <a:lumMod val="75000"/>
+                  </a:schemeClr>
+                </a:solidFill>
+              </a:rPr>
+              <a:t> </a:t>
+            </a:r>
+            <a:r>
+              <a:rPr lang="fr-FR" altLang="zh-CN" sz="1200" dirty="0" err="1" smtClean="0">
+                <a:solidFill>
+                  <a:schemeClr val="accent1">
+                    <a:lumMod val="75000"/>
+                  </a:schemeClr>
+                </a:solidFill>
+              </a:rPr>
+              <a:t>betweenchange</a:t>
+            </a:r>
+            <a:r>
+              <a:rPr lang="fr-FR" altLang="zh-CN" sz="1200" dirty="0" smtClean="0">
+                <a:solidFill>
+                  <a:schemeClr val="accent1">
+                    <a:lumMod val="75000"/>
+                  </a:schemeClr>
+                </a:solidFill>
+              </a:rPr>
+              <a:t> in buildings and in </a:t>
+            </a:r>
+            <a:r>
+              <a:rPr lang="fr-FR" altLang="zh-CN" sz="1200" dirty="0" err="1" smtClean="0">
+                <a:solidFill>
+                  <a:schemeClr val="accent1">
+                    <a:lumMod val="75000"/>
+                  </a:schemeClr>
+                </a:solidFill>
+              </a:rPr>
+              <a:t>education</a:t>
+            </a:r>
+            <a:r>
+              <a:rPr lang="fr-FR" altLang="zh-CN" sz="1200" dirty="0" smtClean="0"/>
+              <a:t>.</a:t>
+            </a:r>
+          </a:p>
+          <a:p>
+            <a:pPr marL="0" marR="0" indent="0" algn="l" defTabSz="457200" rtl="0" eaLnBrk="1" fontAlgn="auto" latinLnBrk="0" hangingPunct="1">
+              <a:lnSpc>
+                <a:spcPct val="100000"/>
+              </a:lnSpc>
+              <a:spcBef>
+                <a:spcPts val="0"/>
+              </a:spcBef>
+              <a:spcAft>
+                <a:spcPts val="0"/>
+              </a:spcAft>
+              <a:buClrTx/>
+              <a:buSzTx/>
+              <a:buFontTx/>
+              <a:buNone/>
+              <a:tabLst/>
+              <a:defRPr/>
+            </a:pPr>
+            <a:endParaRPr lang="fr-FR" altLang="zh-CN" sz="1200" dirty="0" smtClean="0"/>
+          </a:p>
+          <a:p>
+            <a:endParaRPr kumimoji="1" lang="zh-CN" altLang="en-US" dirty="0"/>
+          </a:p>
+        </p:txBody>
+      </p:sp>
+      <p:sp>
+        <p:nvSpPr>
+          <p:cNvPr id="4" name="幻灯片编号占位符 3"/>
+          <p:cNvSpPr>
+            <a:spLocks noGrp="1"/>
+          </p:cNvSpPr>
+          <p:nvPr>
+            <p:ph type="sldNum" sz="quarter" idx="10"/>
+          </p:nvPr>
+        </p:nvSpPr>
+        <p:spPr/>
+        <p:txBody>
+          <a:bodyPr/>
+          <a:lstStyle/>
+          <a:p>
+            <a:fld id="{35B4D3EB-25F4-A940-9B46-8CC09FE67ACA}" type="slidenum">
+              <a:rPr kumimoji="1" lang="zh-CN" altLang="en-US" smtClean="0"/>
+              <a:t>2</a:t>
+            </a:fld>
+            <a:endParaRPr kumimoji="1" lang="zh-CN" altLang="en-US"/>
+          </a:p>
+        </p:txBody>
+      </p:sp>
+    </p:spTree>
+    <p:extLst>
+      <p:ext uri="{BB962C8B-B14F-4D97-AF65-F5344CB8AC3E}">
+        <p14:creationId xmlns:p14="http://schemas.microsoft.com/office/powerpoint/2010/main" val="838256917"/>
+      </p:ext>
+    </p:extLst>
+  </p:cSld>
+  <p:clrMapOvr>
+    <a:masterClrMapping/>
+  </p:clrMapOvr>
+</p:notes>
+</file>
+
+<file path=ppt/notesSlides/notesSlide3.xml><?xml version="1.0" encoding="utf-8"?>
+<p:notes xmlns:a="http://schemas.openxmlformats.org/drawingml/2006/main" xmlns:r="http://schemas.openxmlformats.org/officeDocument/2006/relationships" xmlns:p="http://schemas.openxmlformats.org/presentationml/2006/main">
+  <p:cSld>
+    <p:spTree>
+      <p:nvGrpSpPr>
+        <p:cNvPr id="1" name=""/>
+        <p:cNvGrpSpPr/>
+        <p:nvPr/>
+      </p:nvGrpSpPr>
+      <p:grpSpPr>
+        <a:xfrm>
+          <a:off x="0" y="0"/>
+          <a:ext cx="0" cy="0"/>
+          <a:chOff x="0" y="0"/>
+          <a:chExt cx="0" cy="0"/>
+        </a:xfrm>
+      </p:grpSpPr>
+      <p:sp>
+        <p:nvSpPr>
+          <p:cNvPr id="2" name="幻灯片图像占位符 1"/>
+          <p:cNvSpPr>
+            <a:spLocks noGrp="1" noRot="1" noChangeAspect="1"/>
+          </p:cNvSpPr>
+          <p:nvPr>
+            <p:ph type="sldImg"/>
+          </p:nvPr>
+        </p:nvSpPr>
+        <p:spPr/>
+      </p:sp>
+      <p:sp>
+        <p:nvSpPr>
+          <p:cNvPr id="3" name="备注占位符 2"/>
+          <p:cNvSpPr>
+            <a:spLocks noGrp="1"/>
+          </p:cNvSpPr>
+          <p:nvPr>
+            <p:ph type="body" idx="1"/>
+          </p:nvPr>
+        </p:nvSpPr>
+        <p:spPr/>
+        <p:txBody>
+          <a:bodyPr/>
+          <a:lstStyle/>
+          <a:p>
+            <a:pPr marL="0" marR="0" indent="0" algn="l" defTabSz="457200" rtl="0" eaLnBrk="1" fontAlgn="auto" latinLnBrk="0" hangingPunct="1">
+              <a:lnSpc>
+                <a:spcPct val="100000"/>
+              </a:lnSpc>
+              <a:spcBef>
+                <a:spcPts val="0"/>
+              </a:spcBef>
+              <a:spcAft>
+                <a:spcPts val="0"/>
+              </a:spcAft>
+              <a:buClrTx/>
+              <a:buSzTx/>
+              <a:buFontTx/>
+              <a:buNone/>
+              <a:tabLst/>
+              <a:defRPr/>
+            </a:pPr>
+            <a:r>
               <a:rPr lang="en-US" altLang="zh-CN" sz="1200" kern="1200" dirty="0" smtClean="0">
                 <a:solidFill>
                   <a:schemeClr val="tx1"/>
@@ -1797,7 +2765,7 @@
               <a:t> </a:t>
             </a:r>
             <a:r>
-              <a:rPr kumimoji="1" lang="en-US" altLang="zh-CN" sz="1200" kern="1200" smtClean="0">
+              <a:rPr kumimoji="1" lang="en-US" altLang="zh-CN" sz="1200" kern="1200" dirty="0" smtClean="0">
                 <a:solidFill>
                   <a:schemeClr val="tx1"/>
                 </a:solidFill>
@@ -1829,7 +2797,7 @@
           <a:p>
             <a:fld id="{35B4D3EB-25F4-A940-9B46-8CC09FE67ACA}" type="slidenum">
               <a:rPr kumimoji="1" lang="zh-CN" altLang="en-US" smtClean="0"/>
-              <a:t>3</a:t>
+              <a:t>4</a:t>
             </a:fld>
             <a:endParaRPr kumimoji="1" lang="zh-CN" altLang="en-US"/>
           </a:p>
@@ -6319,6 +7287,556 @@
           <a:p>
             <a:r>
               <a:rPr kumimoji="1" lang="en-US" altLang="zh-CN" sz="4000" dirty="0" smtClean="0"/>
+              <a:t>Visualization </a:t>
+            </a:r>
+            <a:r>
+              <a:rPr kumimoji="1" lang="en-US" altLang="zh-CN" sz="4000" dirty="0"/>
+              <a:t>1</a:t>
+            </a:r>
+            <a:r>
+              <a:rPr kumimoji="1" lang="en-US" altLang="zh-CN" sz="4000" dirty="0" smtClean="0"/>
+              <a:t> basic data distributions</a:t>
+            </a:r>
+            <a:endParaRPr kumimoji="1" lang="zh-CN" altLang="en-US" sz="4000" dirty="0"/>
+          </a:p>
+        </p:txBody>
+      </p:sp>
+      <p:pic>
+        <p:nvPicPr>
+          <p:cNvPr id="16" name="Image 12"/>
+          <p:cNvPicPr>
+            <a:picLocks noGrp="1" noChangeAspect="1"/>
+          </p:cNvPicPr>
+          <p:nvPr>
+            <p:ph idx="1"/>
+          </p:nvPr>
+        </p:nvPicPr>
+        <p:blipFill>
+          <a:blip r:embed="rId3"/>
+          <a:stretch>
+            <a:fillRect/>
+          </a:stretch>
+        </p:blipFill>
+        <p:spPr>
+          <a:xfrm>
+            <a:off x="544950" y="1727200"/>
+            <a:ext cx="5012450" cy="4927600"/>
+          </a:xfrm>
+          <a:prstGeom prst="rect">
+            <a:avLst/>
+          </a:prstGeom>
+          <a:ln>
+            <a:solidFill>
+              <a:schemeClr val="tx1"/>
+            </a:solidFill>
+          </a:ln>
+        </p:spPr>
+      </p:pic>
+      <p:pic>
+        <p:nvPicPr>
+          <p:cNvPr id="17" name="Image 11"/>
+          <p:cNvPicPr>
+            <a:picLocks noChangeAspect="1"/>
+          </p:cNvPicPr>
+          <p:nvPr/>
+        </p:nvPicPr>
+        <p:blipFill>
+          <a:blip r:embed="rId4"/>
+          <a:stretch>
+            <a:fillRect/>
+          </a:stretch>
+        </p:blipFill>
+        <p:spPr>
+          <a:xfrm>
+            <a:off x="5760133" y="1129997"/>
+            <a:ext cx="4095068" cy="1727503"/>
+          </a:xfrm>
+          <a:prstGeom prst="rect">
+            <a:avLst/>
+          </a:prstGeom>
+          <a:ln>
+            <a:solidFill>
+              <a:schemeClr val="tx1"/>
+            </a:solidFill>
+          </a:ln>
+        </p:spPr>
+      </p:pic>
+      <p:pic>
+        <p:nvPicPr>
+          <p:cNvPr id="20" name="5CD3B562-6797-4EAA-8CEC-901F1A59142D" descr="cid:DA790274-FF25-4589-85A4-7D2D2F7B9418@hsd1.il.comcast.net."/>
+          <p:cNvPicPr/>
+          <p:nvPr/>
+        </p:nvPicPr>
+        <p:blipFill>
+          <a:blip r:embed="rId5" r:link="rId6">
+            <a:extLst>
+              <a:ext uri="{28A0092B-C50C-407E-A947-70E740481C1C}">
+                <a14:useLocalDpi xmlns:a14="http://schemas.microsoft.com/office/drawing/2010/main" val="0"/>
+              </a:ext>
+            </a:extLst>
+          </a:blip>
+          <a:srcRect/>
+          <a:stretch>
+            <a:fillRect/>
+          </a:stretch>
+        </p:blipFill>
+        <p:spPr bwMode="auto">
+          <a:xfrm>
+            <a:off x="5760132" y="2984500"/>
+            <a:ext cx="4095068" cy="3670300"/>
+          </a:xfrm>
+          <a:prstGeom prst="rect">
+            <a:avLst/>
+          </a:prstGeom>
+          <a:noFill/>
+          <a:ln>
+            <a:solidFill>
+              <a:schemeClr val="tx1"/>
+            </a:solidFill>
+          </a:ln>
+        </p:spPr>
+      </p:pic>
+      <p:sp>
+        <p:nvSpPr>
+          <p:cNvPr id="21" name="ZoneTexte 9"/>
+          <p:cNvSpPr txBox="1"/>
+          <p:nvPr/>
+        </p:nvSpPr>
+        <p:spPr>
+          <a:xfrm>
+            <a:off x="9972080" y="3542124"/>
+            <a:ext cx="2061251" cy="1785104"/>
+          </a:xfrm>
+          <a:prstGeom prst="rect">
+            <a:avLst/>
+          </a:prstGeom>
+          <a:noFill/>
+        </p:spPr>
+        <p:txBody>
+          <a:bodyPr wrap="square" rtlCol="0">
+            <a:spAutoFit/>
+          </a:bodyPr>
+          <a:lstStyle/>
+          <a:p>
+            <a:r>
+              <a:rPr lang="fr-FR" sz="1100" dirty="0" smtClean="0"/>
+              <a:t>1: Change in Population</a:t>
+            </a:r>
+          </a:p>
+          <a:p>
+            <a:r>
+              <a:rPr lang="fr-FR" sz="1100" dirty="0" smtClean="0"/>
+              <a:t>2: Change in House </a:t>
+            </a:r>
+            <a:r>
+              <a:rPr lang="fr-FR" sz="1100" dirty="0" err="1" smtClean="0"/>
+              <a:t>Units</a:t>
+            </a:r>
+            <a:endParaRPr lang="fr-FR" sz="1100" dirty="0" smtClean="0"/>
+          </a:p>
+          <a:p>
+            <a:r>
+              <a:rPr lang="fr-FR" sz="1100" dirty="0" smtClean="0"/>
+              <a:t>3: Change 5 to 7+ per house</a:t>
+            </a:r>
+          </a:p>
+          <a:p>
+            <a:r>
+              <a:rPr lang="fr-FR" sz="1100" dirty="0" smtClean="0"/>
+              <a:t>4: Change </a:t>
+            </a:r>
+            <a:r>
+              <a:rPr lang="fr-FR" sz="1100" dirty="0" err="1" smtClean="0"/>
+              <a:t>built</a:t>
+            </a:r>
+            <a:r>
+              <a:rPr lang="fr-FR" sz="1100" dirty="0" smtClean="0"/>
+              <a:t> 1939 or </a:t>
+            </a:r>
+            <a:r>
+              <a:rPr lang="fr-FR" sz="1100" dirty="0" err="1" smtClean="0"/>
+              <a:t>less</a:t>
+            </a:r>
+            <a:endParaRPr lang="fr-FR" sz="1100" dirty="0" smtClean="0"/>
+          </a:p>
+          <a:p>
+            <a:r>
+              <a:rPr lang="fr-FR" sz="1100" dirty="0" smtClean="0"/>
+              <a:t>5: Change </a:t>
+            </a:r>
+            <a:r>
+              <a:rPr lang="fr-FR" sz="1100" dirty="0" err="1" smtClean="0"/>
+              <a:t>built</a:t>
+            </a:r>
+            <a:r>
+              <a:rPr lang="fr-FR" sz="1100" dirty="0" smtClean="0"/>
+              <a:t> 1940 to 1959</a:t>
+            </a:r>
+          </a:p>
+          <a:p>
+            <a:r>
+              <a:rPr lang="fr-FR" sz="1100" dirty="0" smtClean="0"/>
+              <a:t>6: Change Vacant </a:t>
+            </a:r>
+            <a:r>
+              <a:rPr lang="fr-FR" sz="1100" dirty="0" err="1" smtClean="0"/>
+              <a:t>Units</a:t>
+            </a:r>
+            <a:endParaRPr lang="fr-FR" sz="1100" dirty="0" smtClean="0"/>
+          </a:p>
+          <a:p>
+            <a:r>
+              <a:rPr lang="fr-FR" sz="1100" dirty="0" smtClean="0"/>
+              <a:t>7: Change </a:t>
+            </a:r>
+            <a:r>
+              <a:rPr lang="fr-FR" sz="1100" dirty="0" err="1" smtClean="0"/>
+              <a:t>Income</a:t>
+            </a:r>
+            <a:r>
+              <a:rPr lang="fr-FR" sz="1100" dirty="0" smtClean="0"/>
+              <a:t> 25k to 50k</a:t>
+            </a:r>
+          </a:p>
+          <a:p>
+            <a:r>
+              <a:rPr lang="fr-FR" sz="1100" dirty="0" smtClean="0"/>
+              <a:t>8: Change </a:t>
+            </a:r>
+            <a:r>
+              <a:rPr lang="fr-FR" sz="1100" dirty="0" err="1" smtClean="0"/>
+              <a:t>Income</a:t>
+            </a:r>
+            <a:r>
+              <a:rPr lang="fr-FR" sz="1100" dirty="0" smtClean="0"/>
+              <a:t> 50k to 75k</a:t>
+            </a:r>
+          </a:p>
+          <a:p>
+            <a:r>
+              <a:rPr lang="fr-FR" sz="1100" dirty="0" smtClean="0"/>
+              <a:t>9: Change </a:t>
+            </a:r>
+            <a:r>
+              <a:rPr lang="fr-FR" sz="1100" dirty="0" err="1" smtClean="0"/>
+              <a:t>edu</a:t>
+            </a:r>
+            <a:r>
+              <a:rPr lang="fr-FR" sz="1100" dirty="0" smtClean="0"/>
+              <a:t> High </a:t>
+            </a:r>
+            <a:r>
+              <a:rPr lang="fr-FR" sz="1100" dirty="0" err="1" smtClean="0"/>
+              <a:t>School</a:t>
+            </a:r>
+            <a:endParaRPr lang="fr-FR" sz="1100" dirty="0" smtClean="0"/>
+          </a:p>
+          <a:p>
+            <a:r>
+              <a:rPr lang="fr-FR" sz="1100" dirty="0" smtClean="0"/>
+              <a:t>10: Change </a:t>
+            </a:r>
+            <a:r>
+              <a:rPr lang="fr-FR" sz="1100" dirty="0" err="1" smtClean="0"/>
+              <a:t>eduCollege</a:t>
+            </a:r>
+            <a:endParaRPr lang="fr-FR" sz="1100" dirty="0"/>
+          </a:p>
+        </p:txBody>
+      </p:sp>
+      <p:sp>
+        <p:nvSpPr>
+          <p:cNvPr id="12" name="文本框 11"/>
+          <p:cNvSpPr txBox="1"/>
+          <p:nvPr/>
+        </p:nvSpPr>
+        <p:spPr>
+          <a:xfrm>
+            <a:off x="544950" y="1129997"/>
+            <a:ext cx="3455550" cy="369332"/>
+          </a:xfrm>
+          <a:prstGeom prst="rect">
+            <a:avLst/>
+          </a:prstGeom>
+        </p:spPr>
+        <p:style>
+          <a:lnRef idx="2">
+            <a:schemeClr val="dk1"/>
+          </a:lnRef>
+          <a:fillRef idx="1">
+            <a:schemeClr val="lt1"/>
+          </a:fillRef>
+          <a:effectRef idx="0">
+            <a:schemeClr val="dk1"/>
+          </a:effectRef>
+          <a:fontRef idx="minor">
+            <a:schemeClr val="dk1"/>
+          </a:fontRef>
+        </p:style>
+        <p:txBody>
+          <a:bodyPr wrap="square" rtlCol="0">
+            <a:spAutoFit/>
+          </a:bodyPr>
+          <a:lstStyle/>
+          <a:p>
+            <a:r>
+              <a:rPr kumimoji="1" lang="en-US" altLang="zh-CN" dirty="0" smtClean="0"/>
+              <a:t>Census Stat Variables Box Plots</a:t>
+            </a:r>
+            <a:endParaRPr kumimoji="1" lang="zh-CN" altLang="en-US" dirty="0"/>
+          </a:p>
+        </p:txBody>
+      </p:sp>
+      <p:cxnSp>
+        <p:nvCxnSpPr>
+          <p:cNvPr id="23" name="直线箭头连接符 22"/>
+          <p:cNvCxnSpPr>
+            <a:stCxn id="12" idx="2"/>
+          </p:cNvCxnSpPr>
+          <p:nvPr/>
+        </p:nvCxnSpPr>
+        <p:spPr>
+          <a:xfrm>
+            <a:off x="2272725" y="1499329"/>
+            <a:ext cx="575" cy="227871"/>
+          </a:xfrm>
+          <a:prstGeom prst="straightConnector1">
+            <a:avLst/>
+          </a:prstGeom>
+          <a:ln>
+            <a:tailEnd type="triangle"/>
+          </a:ln>
+        </p:spPr>
+        <p:style>
+          <a:lnRef idx="2">
+            <a:schemeClr val="dk1"/>
+          </a:lnRef>
+          <a:fillRef idx="0">
+            <a:schemeClr val="dk1"/>
+          </a:fillRef>
+          <a:effectRef idx="1">
+            <a:schemeClr val="dk1"/>
+          </a:effectRef>
+          <a:fontRef idx="minor">
+            <a:schemeClr val="tx1"/>
+          </a:fontRef>
+        </p:style>
+      </p:cxnSp>
+      <p:sp>
+        <p:nvSpPr>
+          <p:cNvPr id="25" name="文本框 24"/>
+          <p:cNvSpPr txBox="1"/>
+          <p:nvPr/>
+        </p:nvSpPr>
+        <p:spPr>
+          <a:xfrm>
+            <a:off x="10210800" y="1129997"/>
+            <a:ext cx="1765300" cy="369332"/>
+          </a:xfrm>
+          <a:prstGeom prst="rect">
+            <a:avLst/>
+          </a:prstGeom>
+        </p:spPr>
+        <p:style>
+          <a:lnRef idx="2">
+            <a:schemeClr val="dk1"/>
+          </a:lnRef>
+          <a:fillRef idx="1">
+            <a:schemeClr val="lt1"/>
+          </a:fillRef>
+          <a:effectRef idx="0">
+            <a:schemeClr val="dk1"/>
+          </a:effectRef>
+          <a:fontRef idx="minor">
+            <a:schemeClr val="dk1"/>
+          </a:fontRef>
+        </p:style>
+        <p:txBody>
+          <a:bodyPr wrap="square" rtlCol="0">
+            <a:spAutoFit/>
+          </a:bodyPr>
+          <a:lstStyle/>
+          <a:p>
+            <a:r>
+              <a:rPr kumimoji="1" lang="en-US" altLang="zh-CN" dirty="0" smtClean="0"/>
+              <a:t>    Histogram</a:t>
+            </a:r>
+            <a:endParaRPr kumimoji="1" lang="zh-CN" altLang="en-US" dirty="0"/>
+          </a:p>
+        </p:txBody>
+      </p:sp>
+      <p:sp>
+        <p:nvSpPr>
+          <p:cNvPr id="26" name="文本框 25"/>
+          <p:cNvSpPr txBox="1"/>
+          <p:nvPr/>
+        </p:nvSpPr>
+        <p:spPr>
+          <a:xfrm>
+            <a:off x="10210800" y="3010618"/>
+            <a:ext cx="1765300" cy="338554"/>
+          </a:xfrm>
+          <a:prstGeom prst="rect">
+            <a:avLst/>
+          </a:prstGeom>
+        </p:spPr>
+        <p:style>
+          <a:lnRef idx="2">
+            <a:schemeClr val="dk1"/>
+          </a:lnRef>
+          <a:fillRef idx="1">
+            <a:schemeClr val="lt1"/>
+          </a:fillRef>
+          <a:effectRef idx="0">
+            <a:schemeClr val="dk1"/>
+          </a:effectRef>
+          <a:fontRef idx="minor">
+            <a:schemeClr val="dk1"/>
+          </a:fontRef>
+        </p:style>
+        <p:txBody>
+          <a:bodyPr wrap="square" rtlCol="0">
+            <a:spAutoFit/>
+          </a:bodyPr>
+          <a:lstStyle/>
+          <a:p>
+            <a:r>
+              <a:rPr kumimoji="1" lang="en-US" altLang="zh-CN" sz="1600" dirty="0" smtClean="0"/>
+              <a:t> Correlation Plot </a:t>
+            </a:r>
+            <a:endParaRPr kumimoji="1" lang="zh-CN" altLang="en-US" sz="1600" dirty="0"/>
+          </a:p>
+        </p:txBody>
+      </p:sp>
+      <p:cxnSp>
+        <p:nvCxnSpPr>
+          <p:cNvPr id="33" name="直线箭头连接符 32"/>
+          <p:cNvCxnSpPr>
+            <a:stCxn id="26" idx="1"/>
+          </p:cNvCxnSpPr>
+          <p:nvPr/>
+        </p:nvCxnSpPr>
+        <p:spPr>
+          <a:xfrm flipH="1" flipV="1">
+            <a:off x="9855200" y="3177452"/>
+            <a:ext cx="355600" cy="2443"/>
+          </a:xfrm>
+          <a:prstGeom prst="straightConnector1">
+            <a:avLst/>
+          </a:prstGeom>
+          <a:ln>
+            <a:tailEnd type="triangle"/>
+          </a:ln>
+        </p:spPr>
+        <p:style>
+          <a:lnRef idx="1">
+            <a:schemeClr val="dk1"/>
+          </a:lnRef>
+          <a:fillRef idx="0">
+            <a:schemeClr val="dk1"/>
+          </a:fillRef>
+          <a:effectRef idx="0">
+            <a:schemeClr val="dk1"/>
+          </a:effectRef>
+          <a:fontRef idx="minor">
+            <a:schemeClr val="tx1"/>
+          </a:fontRef>
+        </p:style>
+      </p:cxnSp>
+      <p:cxnSp>
+        <p:nvCxnSpPr>
+          <p:cNvPr id="36" name="直线箭头连接符 35"/>
+          <p:cNvCxnSpPr/>
+          <p:nvPr/>
+        </p:nvCxnSpPr>
+        <p:spPr>
+          <a:xfrm flipH="1">
+            <a:off x="9855200" y="1314663"/>
+            <a:ext cx="355600" cy="0"/>
+          </a:xfrm>
+          <a:prstGeom prst="straightConnector1">
+            <a:avLst/>
+          </a:prstGeom>
+          <a:ln>
+            <a:tailEnd type="triangle"/>
+          </a:ln>
+        </p:spPr>
+        <p:style>
+          <a:lnRef idx="1">
+            <a:schemeClr val="dk1"/>
+          </a:lnRef>
+          <a:fillRef idx="0">
+            <a:schemeClr val="dk1"/>
+          </a:fillRef>
+          <a:effectRef idx="0">
+            <a:schemeClr val="dk1"/>
+          </a:effectRef>
+          <a:fontRef idx="minor">
+            <a:schemeClr val="tx1"/>
+          </a:fontRef>
+        </p:style>
+      </p:cxnSp>
+    </p:spTree>
+    <p:extLst>
+      <p:ext uri="{BB962C8B-B14F-4D97-AF65-F5344CB8AC3E}">
+        <p14:creationId xmlns:p14="http://schemas.microsoft.com/office/powerpoint/2010/main" val="1142857154"/>
+      </p:ext>
+    </p:extLst>
+  </p:cSld>
+  <p:clrMapOvr>
+    <a:masterClrMapping/>
+  </p:clrMapOvr>
+  <p:timing>
+    <p:tnLst>
+      <p:par>
+        <p:cTn id="1" dur="indefinite" restart="never" nodeType="tmRoot"/>
+      </p:par>
+    </p:tnLst>
+  </p:timing>
+</p:sld>
+</file>
+
+<file path=ppt/slides/slide3.xml><?xml version="1.0" encoding="utf-8"?>
+<p:sld xmlns:a="http://schemas.openxmlformats.org/drawingml/2006/main" xmlns:r="http://schemas.openxmlformats.org/officeDocument/2006/relationships" xmlns:p="http://schemas.openxmlformats.org/presentationml/2006/main">
+  <p:cSld>
+    <p:spTree>
+      <p:nvGrpSpPr>
+        <p:cNvPr id="1" name=""/>
+        <p:cNvGrpSpPr/>
+        <p:nvPr/>
+      </p:nvGrpSpPr>
+      <p:grpSpPr>
+        <a:xfrm>
+          <a:off x="0" y="0"/>
+          <a:ext cx="0" cy="0"/>
+          <a:chOff x="0" y="0"/>
+          <a:chExt cx="0" cy="0"/>
+        </a:xfrm>
+      </p:grpSpPr>
+      <p:sp>
+        <p:nvSpPr>
+          <p:cNvPr id="2" name="标题 1"/>
+          <p:cNvSpPr>
+            <a:spLocks noGrp="1"/>
+          </p:cNvSpPr>
+          <p:nvPr>
+            <p:ph type="title"/>
+          </p:nvPr>
+        </p:nvSpPr>
+        <p:spPr>
+          <a:xfrm>
+            <a:off x="1069848" y="264330"/>
+            <a:ext cx="10058400" cy="1109578"/>
+          </a:xfrm>
+        </p:spPr>
+        <p:txBody>
+          <a:bodyPr>
+            <a:normAutofit/>
+          </a:bodyPr>
+          <a:lstStyle/>
+          <a:p>
+            <a:r>
+              <a:rPr kumimoji="1" lang="en-US" altLang="zh-CN" sz="4000" dirty="0" smtClean="0"/>
               <a:t>Visualization 2 Census Tract Choropleth</a:t>
             </a:r>
             <a:endParaRPr kumimoji="1" lang="zh-CN" altLang="en-US" sz="4000" dirty="0"/>
@@ -6807,7 +8325,7 @@
     </p:spTree>
     <p:extLst>
       <p:ext uri="{BB962C8B-B14F-4D97-AF65-F5344CB8AC3E}">
-        <p14:creationId xmlns:p14="http://schemas.microsoft.com/office/powerpoint/2010/main" val="1142857154"/>
+        <p14:creationId xmlns:p14="http://schemas.microsoft.com/office/powerpoint/2010/main" val="577959687"/>
       </p:ext>
     </p:extLst>
   </p:cSld>
@@ -6824,7 +8342,7 @@
 </p:sld>
 </file>
 
-<file path=ppt/slides/slide3.xml><?xml version="1.0" encoding="utf-8"?>
+<file path=ppt/slides/slide4.xml><?xml version="1.0" encoding="utf-8"?>
 <p:sld xmlns:a="http://schemas.openxmlformats.org/drawingml/2006/main" xmlns:r="http://schemas.openxmlformats.org/officeDocument/2006/relationships" xmlns:p="http://schemas.openxmlformats.org/presentationml/2006/main">
   <p:cSld>
     <p:spTree>
@@ -7122,7 +8640,7 @@
 </p:sld>
 </file>
 
-<file path=ppt/slides/slide4.xml><?xml version="1.0" encoding="utf-8"?>
+<file path=ppt/slides/slide5.xml><?xml version="1.0" encoding="utf-8"?>
 <p:sld xmlns:a="http://schemas.openxmlformats.org/drawingml/2006/main" xmlns:r="http://schemas.openxmlformats.org/officeDocument/2006/relationships" xmlns:p="http://schemas.openxmlformats.org/presentationml/2006/main">
   <p:cSld>
     <p:spTree>

--- a/asset/preso.pptx
+++ b/asset/preso.pptx
@@ -212,7 +212,7 @@
           <a:p>
             <a:fld id="{73A11F6E-41C6-6746-B369-5587EE151C48}" type="datetimeFigureOut">
               <a:rPr kumimoji="1" lang="zh-CN" altLang="en-US" smtClean="0"/>
-              <a:t>16/3/6</a:t>
+              <a:t>16/3/7</a:t>
             </a:fld>
             <a:endParaRPr kumimoji="1" lang="zh-CN" altLang="en-US"/>
           </a:p>
@@ -3317,7 +3317,7 @@
           <a:p>
             <a:fld id="{94FCA678-503B-1443-8773-1853BFD7A74A}" type="datetimeFigureOut">
               <a:rPr kumimoji="1" lang="zh-CN" altLang="en-US" smtClean="0"/>
-              <a:t>16/3/6</a:t>
+              <a:t>16/3/7</a:t>
             </a:fld>
             <a:endParaRPr kumimoji="1" lang="zh-CN" altLang="en-US"/>
           </a:p>
@@ -3496,7 +3496,7 @@
           <a:p>
             <a:fld id="{94FCA678-503B-1443-8773-1853BFD7A74A}" type="datetimeFigureOut">
               <a:rPr kumimoji="1" lang="zh-CN" altLang="en-US" smtClean="0"/>
-              <a:t>16/3/6</a:t>
+              <a:t>16/3/7</a:t>
             </a:fld>
             <a:endParaRPr kumimoji="1" lang="zh-CN" altLang="en-US"/>
           </a:p>
@@ -3676,7 +3676,7 @@
           <a:p>
             <a:fld id="{94FCA678-503B-1443-8773-1853BFD7A74A}" type="datetimeFigureOut">
               <a:rPr kumimoji="1" lang="zh-CN" altLang="en-US" smtClean="0"/>
-              <a:t>16/3/6</a:t>
+              <a:t>16/3/7</a:t>
             </a:fld>
             <a:endParaRPr kumimoji="1" lang="zh-CN" altLang="en-US"/>
           </a:p>
@@ -3846,7 +3846,7 @@
           <a:p>
             <a:fld id="{94FCA678-503B-1443-8773-1853BFD7A74A}" type="datetimeFigureOut">
               <a:rPr kumimoji="1" lang="zh-CN" altLang="en-US" smtClean="0"/>
-              <a:t>16/3/6</a:t>
+              <a:t>16/3/7</a:t>
             </a:fld>
             <a:endParaRPr kumimoji="1" lang="zh-CN" altLang="en-US"/>
           </a:p>
@@ -4167,7 +4167,7 @@
           <a:p>
             <a:fld id="{94FCA678-503B-1443-8773-1853BFD7A74A}" type="datetimeFigureOut">
               <a:rPr kumimoji="1" lang="zh-CN" altLang="en-US" smtClean="0"/>
-              <a:t>16/3/6</a:t>
+              <a:t>16/3/7</a:t>
             </a:fld>
             <a:endParaRPr kumimoji="1" lang="zh-CN" altLang="en-US"/>
           </a:p>
@@ -4627,7 +4627,7 @@
           <a:p>
             <a:fld id="{94FCA678-503B-1443-8773-1853BFD7A74A}" type="datetimeFigureOut">
               <a:rPr kumimoji="1" lang="zh-CN" altLang="en-US" smtClean="0"/>
-              <a:t>16/3/6</a:t>
+              <a:t>16/3/7</a:t>
             </a:fld>
             <a:endParaRPr kumimoji="1" lang="zh-CN" altLang="en-US"/>
           </a:p>
@@ -5038,7 +5038,7 @@
           <a:p>
             <a:fld id="{94FCA678-503B-1443-8773-1853BFD7A74A}" type="datetimeFigureOut">
               <a:rPr kumimoji="1" lang="zh-CN" altLang="en-US" smtClean="0"/>
-              <a:t>16/3/6</a:t>
+              <a:t>16/3/7</a:t>
             </a:fld>
             <a:endParaRPr kumimoji="1" lang="zh-CN" altLang="en-US"/>
           </a:p>
@@ -5156,7 +5156,7 @@
           <a:p>
             <a:fld id="{94FCA678-503B-1443-8773-1853BFD7A74A}" type="datetimeFigureOut">
               <a:rPr kumimoji="1" lang="zh-CN" altLang="en-US" smtClean="0"/>
-              <a:t>16/3/6</a:t>
+              <a:t>16/3/7</a:t>
             </a:fld>
             <a:endParaRPr kumimoji="1" lang="zh-CN" altLang="en-US"/>
           </a:p>
@@ -5274,7 +5274,7 @@
           <a:p>
             <a:fld id="{94FCA678-503B-1443-8773-1853BFD7A74A}" type="datetimeFigureOut">
               <a:rPr kumimoji="1" lang="zh-CN" altLang="en-US" smtClean="0"/>
-              <a:t>16/3/6</a:t>
+              <a:t>16/3/7</a:t>
             </a:fld>
             <a:endParaRPr kumimoji="1" lang="zh-CN" altLang="en-US"/>
           </a:p>
@@ -5632,7 +5632,7 @@
           <a:p>
             <a:fld id="{94FCA678-503B-1443-8773-1853BFD7A74A}" type="datetimeFigureOut">
               <a:rPr kumimoji="1" lang="zh-CN" altLang="en-US" smtClean="0"/>
-              <a:t>16/3/6</a:t>
+              <a:t>16/3/7</a:t>
             </a:fld>
             <a:endParaRPr kumimoji="1" lang="zh-CN" altLang="en-US"/>
           </a:p>
@@ -6139,7 +6139,7 @@
           <a:p>
             <a:fld id="{94FCA678-503B-1443-8773-1853BFD7A74A}" type="datetimeFigureOut">
               <a:rPr kumimoji="1" lang="zh-CN" altLang="en-US" smtClean="0"/>
-              <a:t>16/3/6</a:t>
+              <a:t>16/3/7</a:t>
             </a:fld>
             <a:endParaRPr kumimoji="1" lang="zh-CN" altLang="en-US"/>
           </a:p>
@@ -6494,7 +6494,7 @@
           <a:p>
             <a:fld id="{94FCA678-503B-1443-8773-1853BFD7A74A}" type="datetimeFigureOut">
               <a:rPr kumimoji="1" lang="zh-CN" altLang="en-US" smtClean="0"/>
-              <a:t>16/3/6</a:t>
+              <a:t>16/3/7</a:t>
             </a:fld>
             <a:endParaRPr kumimoji="1" lang="zh-CN" altLang="en-US"/>
           </a:p>
@@ -8474,7 +8474,7 @@
             </a:r>
             <a:r>
               <a:rPr kumimoji="1" lang="en-US" altLang="zh-CN" dirty="0" err="1" smtClean="0"/>
-              <a:t>ChciagoCensusVisualization</a:t>
+              <a:t>ChicagoCensusVisualization</a:t>
             </a:r>
             <a:r>
               <a:rPr kumimoji="1" lang="en-US" altLang="zh-CN" dirty="0" smtClean="0"/>
@@ -8675,7 +8675,7 @@
             <a:fld id="{CBCBD025-87FD-0241-920F-BB0D8937BC81}" type="datetime1">
               <a:rPr lang="zh-CN" altLang="en-US"/>
               <a:pPr/>
-              <a:t>16/3/6</a:t>
+              <a:t>16/3/7</a:t>
             </a:fld>
             <a:endParaRPr lang="zh-CN" altLang="en-US" sz="1800">
               <a:solidFill>

--- a/asset/preso.pptx
+++ b/asset/preso.pptx
@@ -8738,8 +8738,12 @@
               <a:buNone/>
             </a:pPr>
             <a:r>
+              <a:rPr lang="zh-CN" altLang="zh-CN" b="1" dirty="0" smtClean="0"/>
+              <a:t>Cluster </a:t>
+            </a:r>
+            <a:r>
               <a:rPr lang="zh-CN" altLang="zh-CN" b="1" dirty="0"/>
-              <a:t>Clustering 1,2,3(Urbanities</a:t>
+              <a:t>1,2,3(Urbanities</a:t>
             </a:r>
             <a:r>
               <a:rPr lang="zh-CN" altLang="zh-CN" dirty="0">
@@ -8800,8 +8804,12 @@
               <a:buNone/>
             </a:pPr>
             <a:r>
+              <a:rPr lang="zh-CN" altLang="zh-CN" b="1" dirty="0" smtClean="0"/>
+              <a:t>Cluster </a:t>
+            </a:r>
+            <a:r>
               <a:rPr lang="zh-CN" altLang="zh-CN" b="1" dirty="0"/>
-              <a:t>Clustering 4</a:t>
+              <a:t>4</a:t>
             </a:r>
             <a:r>
               <a:rPr lang="zh-CN" altLang="zh-CN" b="1" dirty="0">
@@ -8898,8 +8906,12 @@
               <a:buNone/>
             </a:pPr>
             <a:r>
+              <a:rPr lang="zh-CN" altLang="zh-CN" b="1" smtClean="0"/>
+              <a:t>Cluster </a:t>
+            </a:r>
+            <a:r>
               <a:rPr lang="zh-CN" altLang="zh-CN" b="1" dirty="0"/>
-              <a:t>Clustering 5,6,7,8</a:t>
+              <a:t>5,6,7,8</a:t>
             </a:r>
             <a:r>
               <a:rPr lang="zh-CN" altLang="zh-CN" b="1" dirty="0">
